--- a/day3/PysparkRDD.pptx
+++ b/day3/PysparkRDD.pptx
@@ -56,7 +56,7 @@
       </p:grpSpPr>
       <p:sp>
         <p:nvSpPr>
-          <p:cNvPr id="158" name="PlaceHolder 1"/>
+          <p:cNvPr id="152" name="PlaceHolder 1"/>
           <p:cNvSpPr>
             <a:spLocks noGrp="1"/>
           </p:cNvSpPr>
@@ -93,7 +93,7 @@
       </p:sp>
       <p:sp>
         <p:nvSpPr>
-          <p:cNvPr id="159" name="PlaceHolder 2"/>
+          <p:cNvPr id="153" name="PlaceHolder 2"/>
           <p:cNvSpPr>
             <a:spLocks noGrp="1"/>
           </p:cNvSpPr>
@@ -129,7 +129,7 @@
       </p:sp>
       <p:sp>
         <p:nvSpPr>
-          <p:cNvPr id="160" name="PlaceHolder 3"/>
+          <p:cNvPr id="154" name="PlaceHolder 3"/>
           <p:cNvSpPr>
             <a:spLocks noGrp="1"/>
           </p:cNvSpPr>
@@ -165,7 +165,7 @@
       </p:sp>
       <p:sp>
         <p:nvSpPr>
-          <p:cNvPr id="161" name="PlaceHolder 4"/>
+          <p:cNvPr id="155" name="PlaceHolder 4"/>
           <p:cNvSpPr>
             <a:spLocks noGrp="1"/>
           </p:cNvSpPr>
@@ -202,7 +202,7 @@
       </p:sp>
       <p:sp>
         <p:nvSpPr>
-          <p:cNvPr id="162" name="PlaceHolder 5"/>
+          <p:cNvPr id="156" name="PlaceHolder 5"/>
           <p:cNvSpPr>
             <a:spLocks noGrp="1"/>
           </p:cNvSpPr>
@@ -238,7 +238,7 @@
       </p:sp>
       <p:sp>
         <p:nvSpPr>
-          <p:cNvPr id="163" name="PlaceHolder 6"/>
+          <p:cNvPr id="157" name="PlaceHolder 6"/>
           <p:cNvSpPr>
             <a:spLocks noGrp="1"/>
           </p:cNvSpPr>
@@ -261,7 +261,7 @@
           </a:bodyPr>
           <a:p>
             <a:pPr algn="r"/>
-            <a:fld id="{9C20DB6D-4C92-459B-8B6E-84F9B2A02989}" type="slidenum">
+            <a:fld id="{A595BBCB-BE17-4679-BB65-5C675D34752B}" type="slidenum">
               <a:rPr b="0" lang="en-US" sz="1400" spc="-1" strike="noStrike">
                 <a:latin typeface="Times New Roman"/>
               </a:rPr>
@@ -298,7 +298,7 @@
       </p:grpSpPr>
       <p:sp>
         <p:nvSpPr>
-          <p:cNvPr id="214" name="PlaceHolder 1"/>
+          <p:cNvPr id="208" name="PlaceHolder 1"/>
           <p:cNvSpPr>
             <a:spLocks noGrp="1"/>
           </p:cNvSpPr>
@@ -309,16 +309,16 @@
         <p:spPr>
           <a:xfrm>
             <a:off x="1143000" y="685800"/>
-            <a:ext cx="4571640" cy="3428640"/>
-          </a:xfrm>
-          <a:prstGeom prst="rect">
-            <a:avLst/>
-          </a:prstGeom>
-        </p:spPr>
-      </p:sp>
-      <p:sp>
-        <p:nvSpPr>
-          <p:cNvPr id="215" name="PlaceHolder 2"/>
+            <a:ext cx="4571280" cy="3428280"/>
+          </a:xfrm>
+          <a:prstGeom prst="rect">
+            <a:avLst/>
+          </a:prstGeom>
+        </p:spPr>
+      </p:sp>
+      <p:sp>
+        <p:nvSpPr>
+          <p:cNvPr id="209" name="PlaceHolder 2"/>
           <p:cNvSpPr>
             <a:spLocks noGrp="1"/>
           </p:cNvSpPr>
@@ -329,21 +329,24 @@
         <p:spPr>
           <a:xfrm>
             <a:off x="685800" y="4343400"/>
-            <a:ext cx="5486040" cy="4114440"/>
-          </a:xfrm>
-          <a:prstGeom prst="rect">
-            <a:avLst/>
-          </a:prstGeom>
-        </p:spPr>
-        <p:txBody>
-          <a:bodyPr>
+            <a:ext cx="5485680" cy="4114080"/>
+          </a:xfrm>
+          <a:prstGeom prst="rect">
+            <a:avLst/>
+          </a:prstGeom>
+        </p:spPr>
+        <p:txBody>
+          <a:bodyPr lIns="0" rIns="0" tIns="0" bIns="0">
             <a:noAutofit/>
           </a:bodyPr>
           <a:p>
-            <a:pPr marL="216000" indent="-216000">
+            <a:pPr marL="216000" indent="-215640">
               <a:lnSpc>
                 <a:spcPct val="100000"/>
               </a:lnSpc>
+              <a:tabLst>
+                <a:tab algn="l" pos="0"/>
+              </a:tabLst>
             </a:pPr>
             <a:r>
               <a:rPr b="0" lang="en-US" sz="1200" spc="-1" strike="noStrike">
@@ -363,14 +366,14 @@
       </p:sp>
       <p:sp>
         <p:nvSpPr>
-          <p:cNvPr id="216" name="TextShape 3"/>
-          <p:cNvSpPr txBox="1"/>
+          <p:cNvPr id="210" name="CustomShape 3"/>
+          <p:cNvSpPr/>
           <p:nvPr/>
         </p:nvSpPr>
         <p:spPr>
           <a:xfrm>
             <a:off x="3884760" y="8685360"/>
-            <a:ext cx="2971440" cy="456840"/>
+            <a:ext cx="2971080" cy="456480"/>
           </a:xfrm>
           <a:prstGeom prst="rect">
             <a:avLst/>
@@ -380,8 +383,14 @@
             <a:noFill/>
           </a:ln>
         </p:spPr>
-        <p:txBody>
-          <a:bodyPr anchor="b">
+        <p:style>
+          <a:lnRef idx="0"/>
+          <a:fillRef idx="0"/>
+          <a:effectRef idx="0"/>
+          <a:fontRef idx="minor"/>
+        </p:style>
+        <p:txBody>
+          <a:bodyPr lIns="90000" rIns="90000" tIns="45000" bIns="45000" anchor="b">
             <a:noAutofit/>
           </a:bodyPr>
           <a:p>
@@ -390,7 +399,7 @@
                 <a:spcPct val="100000"/>
               </a:lnSpc>
             </a:pPr>
-            <a:fld id="{588E51D8-517C-4A3E-B3AF-5BB071BA7558}" type="slidenum">
+            <a:fld id="{402FBD77-DD46-4C4D-B733-46B8B107F0F8}" type="slidenum">
               <a:rPr b="0" lang="en-US" sz="1200" spc="-1" strike="noStrike">
                 <a:solidFill>
                   <a:srgbClr val="000000"/>
@@ -401,7 +410,7 @@
               <a:t>&lt;number&gt;</a:t>
             </a:fld>
             <a:endParaRPr b="0" lang="en-US" sz="1200" spc="-1" strike="noStrike">
-              <a:latin typeface="Times New Roman"/>
+              <a:latin typeface="Arial"/>
             </a:endParaRPr>
           </a:p>
         </p:txBody>
@@ -430,7 +439,7 @@
       </p:grpSpPr>
       <p:sp>
         <p:nvSpPr>
-          <p:cNvPr id="217" name="PlaceHolder 1"/>
+          <p:cNvPr id="211" name="PlaceHolder 1"/>
           <p:cNvSpPr>
             <a:spLocks noGrp="1"/>
           </p:cNvSpPr>
@@ -441,16 +450,16 @@
         <p:spPr>
           <a:xfrm>
             <a:off x="1143000" y="685800"/>
-            <a:ext cx="4571640" cy="3428640"/>
-          </a:xfrm>
-          <a:prstGeom prst="rect">
-            <a:avLst/>
-          </a:prstGeom>
-        </p:spPr>
-      </p:sp>
-      <p:sp>
-        <p:nvSpPr>
-          <p:cNvPr id="218" name="PlaceHolder 2"/>
+            <a:ext cx="4571280" cy="3428280"/>
+          </a:xfrm>
+          <a:prstGeom prst="rect">
+            <a:avLst/>
+          </a:prstGeom>
+        </p:spPr>
+      </p:sp>
+      <p:sp>
+        <p:nvSpPr>
+          <p:cNvPr id="212" name="PlaceHolder 2"/>
           <p:cNvSpPr>
             <a:spLocks noGrp="1"/>
           </p:cNvSpPr>
@@ -461,21 +470,24 @@
         <p:spPr>
           <a:xfrm>
             <a:off x="685800" y="4343400"/>
-            <a:ext cx="5486040" cy="4114440"/>
-          </a:xfrm>
-          <a:prstGeom prst="rect">
-            <a:avLst/>
-          </a:prstGeom>
-        </p:spPr>
-        <p:txBody>
-          <a:bodyPr>
+            <a:ext cx="5485680" cy="4114080"/>
+          </a:xfrm>
+          <a:prstGeom prst="rect">
+            <a:avLst/>
+          </a:prstGeom>
+        </p:spPr>
+        <p:txBody>
+          <a:bodyPr lIns="0" rIns="0" tIns="0" bIns="0">
             <a:noAutofit/>
           </a:bodyPr>
           <a:p>
-            <a:pPr marL="216000" indent="-216000">
+            <a:pPr marL="216000" indent="-215640">
               <a:lnSpc>
                 <a:spcPct val="100000"/>
               </a:lnSpc>
+              <a:tabLst>
+                <a:tab algn="l" pos="0"/>
+              </a:tabLst>
             </a:pPr>
             <a:r>
               <a:rPr b="0" lang="en-US" sz="2000" spc="-1" strike="noStrike">
@@ -491,14 +503,14 @@
       </p:sp>
       <p:sp>
         <p:nvSpPr>
-          <p:cNvPr id="219" name="TextShape 3"/>
-          <p:cNvSpPr txBox="1"/>
+          <p:cNvPr id="213" name="CustomShape 3"/>
+          <p:cNvSpPr/>
           <p:nvPr/>
         </p:nvSpPr>
         <p:spPr>
           <a:xfrm>
             <a:off x="3884760" y="8685360"/>
-            <a:ext cx="2971440" cy="456840"/>
+            <a:ext cx="2971080" cy="456480"/>
           </a:xfrm>
           <a:prstGeom prst="rect">
             <a:avLst/>
@@ -508,8 +520,14 @@
             <a:noFill/>
           </a:ln>
         </p:spPr>
-        <p:txBody>
-          <a:bodyPr anchor="b">
+        <p:style>
+          <a:lnRef idx="0"/>
+          <a:fillRef idx="0"/>
+          <a:effectRef idx="0"/>
+          <a:fontRef idx="minor"/>
+        </p:style>
+        <p:txBody>
+          <a:bodyPr lIns="90000" rIns="90000" tIns="45000" bIns="45000" anchor="b">
             <a:noAutofit/>
           </a:bodyPr>
           <a:p>
@@ -518,7 +536,7 @@
                 <a:spcPct val="100000"/>
               </a:lnSpc>
             </a:pPr>
-            <a:fld id="{59CE540F-96BF-4CBE-B23C-4815E5237967}" type="slidenum">
+            <a:fld id="{E3FF0FF4-4D97-4C10-B8A3-DF4BFAF45977}" type="slidenum">
               <a:rPr b="0" lang="en-US" sz="1200" spc="-1" strike="noStrike">
                 <a:solidFill>
                   <a:srgbClr val="000000"/>
@@ -529,7 +547,7 @@
               <a:t>&lt;number&gt;</a:t>
             </a:fld>
             <a:endParaRPr b="0" lang="en-US" sz="1200" spc="-1" strike="noStrike">
-              <a:latin typeface="Times New Roman"/>
+              <a:latin typeface="Arial"/>
             </a:endParaRPr>
           </a:p>
         </p:txBody>
@@ -558,7 +576,7 @@
       </p:grpSpPr>
       <p:sp>
         <p:nvSpPr>
-          <p:cNvPr id="208" name="PlaceHolder 1"/>
+          <p:cNvPr id="202" name="PlaceHolder 1"/>
           <p:cNvSpPr>
             <a:spLocks noGrp="1"/>
           </p:cNvSpPr>
@@ -569,16 +587,16 @@
         <p:spPr>
           <a:xfrm>
             <a:off x="1143000" y="685800"/>
-            <a:ext cx="4571640" cy="3428640"/>
-          </a:xfrm>
-          <a:prstGeom prst="rect">
-            <a:avLst/>
-          </a:prstGeom>
-        </p:spPr>
-      </p:sp>
-      <p:sp>
-        <p:nvSpPr>
-          <p:cNvPr id="209" name="PlaceHolder 2"/>
+            <a:ext cx="4571280" cy="3428280"/>
+          </a:xfrm>
+          <a:prstGeom prst="rect">
+            <a:avLst/>
+          </a:prstGeom>
+        </p:spPr>
+      </p:sp>
+      <p:sp>
+        <p:nvSpPr>
+          <p:cNvPr id="203" name="PlaceHolder 2"/>
           <p:cNvSpPr>
             <a:spLocks noGrp="1"/>
           </p:cNvSpPr>
@@ -589,44 +607,18 @@
         <p:spPr>
           <a:xfrm>
             <a:off x="685800" y="4343400"/>
-            <a:ext cx="5486040" cy="4114440"/>
-          </a:xfrm>
-          <a:prstGeom prst="rect">
-            <a:avLst/>
-          </a:prstGeom>
-        </p:spPr>
-        <p:txBody>
-          <a:bodyPr>
+            <a:ext cx="5485680" cy="4114080"/>
+          </a:xfrm>
+          <a:prstGeom prst="rect">
+            <a:avLst/>
+          </a:prstGeom>
+        </p:spPr>
+        <p:txBody>
+          <a:bodyPr lIns="0" rIns="0" tIns="0" bIns="0">
             <a:noAutofit/>
           </a:bodyPr>
           <a:p>
-            <a:pPr marL="216000" indent="-216000">
-              <a:lnSpc>
-                <a:spcPct val="100000"/>
-              </a:lnSpc>
-            </a:pPr>
-            <a:r>
-              <a:rPr b="0" lang="en-US" sz="2000" spc="-1" strike="noStrike">
-                <a:latin typeface="Arial"/>
-              </a:rPr>
-              <a:t>The core data structure in Spark is an RDD, or a resilient distributed dataset. As the name suggests, </a:t>
-            </a:r>
-            <a:endParaRPr b="0" lang="en-US" sz="2000" spc="-1" strike="noStrike">
-              <a:latin typeface="Arial"/>
-            </a:endParaRPr>
-          </a:p>
-          <a:p>
-            <a:pPr marL="216000" indent="-216000">
-              <a:lnSpc>
-                <a:spcPct val="100000"/>
-              </a:lnSpc>
-            </a:pPr>
-            <a:endParaRPr b="0" lang="en-US" sz="2000" spc="-1" strike="noStrike">
-              <a:latin typeface="Arial"/>
-            </a:endParaRPr>
-          </a:p>
-          <a:p>
-            <a:pPr>
+            <a:pPr marL="216000" indent="-215640">
               <a:lnSpc>
                 <a:spcPct val="100000"/>
               </a:lnSpc>
@@ -635,6 +627,38 @@
               </a:tabLst>
             </a:pPr>
             <a:r>
+              <a:rPr b="0" lang="en-US" sz="2000" spc="-1" strike="noStrike">
+                <a:latin typeface="Arial"/>
+              </a:rPr>
+              <a:t>The core data structure in Spark is an RDD, or a resilient distributed dataset. As the name suggests, </a:t>
+            </a:r>
+            <a:endParaRPr b="0" lang="en-US" sz="2000" spc="-1" strike="noStrike">
+              <a:latin typeface="Arial"/>
+            </a:endParaRPr>
+          </a:p>
+          <a:p>
+            <a:pPr marL="216000" indent="-215640">
+              <a:lnSpc>
+                <a:spcPct val="100000"/>
+              </a:lnSpc>
+              <a:tabLst>
+                <a:tab algn="l" pos="0"/>
+              </a:tabLst>
+            </a:pPr>
+            <a:endParaRPr b="0" lang="en-US" sz="2000" spc="-1" strike="noStrike">
+              <a:latin typeface="Arial"/>
+            </a:endParaRPr>
+          </a:p>
+          <a:p>
+            <a:pPr marL="216000" indent="-215640">
+              <a:lnSpc>
+                <a:spcPct val="100000"/>
+              </a:lnSpc>
+              <a:tabLst>
+                <a:tab algn="l" pos="0"/>
+              </a:tabLst>
+            </a:pPr>
+            <a:r>
               <a:rPr b="0" lang="en-US" sz="1200" spc="-1" strike="noStrike">
                 <a:solidFill>
                   <a:srgbClr val="000000"/>
@@ -729,7 +753,7 @@
             </a:endParaRPr>
           </a:p>
           <a:p>
-            <a:pPr>
+            <a:pPr marL="216000" indent="-215640">
               <a:lnSpc>
                 <a:spcPct val="100000"/>
               </a:lnSpc>
@@ -742,7 +766,7 @@
             </a:endParaRPr>
           </a:p>
           <a:p>
-            <a:pPr>
+            <a:pPr marL="216000" indent="-215640">
               <a:lnSpc>
                 <a:spcPct val="100000"/>
               </a:lnSpc>
@@ -768,14 +792,14 @@
       </p:sp>
       <p:sp>
         <p:nvSpPr>
-          <p:cNvPr id="210" name="TextShape 3"/>
-          <p:cNvSpPr txBox="1"/>
+          <p:cNvPr id="204" name="CustomShape 3"/>
+          <p:cNvSpPr/>
           <p:nvPr/>
         </p:nvSpPr>
         <p:spPr>
           <a:xfrm>
             <a:off x="3884760" y="8685360"/>
-            <a:ext cx="2971440" cy="456840"/>
+            <a:ext cx="2971080" cy="456480"/>
           </a:xfrm>
           <a:prstGeom prst="rect">
             <a:avLst/>
@@ -785,8 +809,14 @@
             <a:noFill/>
           </a:ln>
         </p:spPr>
-        <p:txBody>
-          <a:bodyPr anchor="b">
+        <p:style>
+          <a:lnRef idx="0"/>
+          <a:fillRef idx="0"/>
+          <a:effectRef idx="0"/>
+          <a:fontRef idx="minor"/>
+        </p:style>
+        <p:txBody>
+          <a:bodyPr lIns="90000" rIns="90000" tIns="45000" bIns="45000" anchor="b">
             <a:noAutofit/>
           </a:bodyPr>
           <a:p>
@@ -795,7 +825,7 @@
                 <a:spcPct val="100000"/>
               </a:lnSpc>
             </a:pPr>
-            <a:fld id="{3F20CE01-3CFD-4EEB-B897-A572EE6D96F7}" type="slidenum">
+            <a:fld id="{F94ADC88-1C36-4DA6-9E20-B3780264D8D8}" type="slidenum">
               <a:rPr b="0" lang="en-US" sz="1200" spc="-1" strike="noStrike">
                 <a:solidFill>
                   <a:srgbClr val="000000"/>
@@ -806,7 +836,7 @@
               <a:t>&lt;number&gt;</a:t>
             </a:fld>
             <a:endParaRPr b="0" lang="en-US" sz="1200" spc="-1" strike="noStrike">
-              <a:latin typeface="Times New Roman"/>
+              <a:latin typeface="Arial"/>
             </a:endParaRPr>
           </a:p>
         </p:txBody>
@@ -835,7 +865,7 @@
       </p:grpSpPr>
       <p:sp>
         <p:nvSpPr>
-          <p:cNvPr id="211" name="PlaceHolder 1"/>
+          <p:cNvPr id="205" name="PlaceHolder 1"/>
           <p:cNvSpPr>
             <a:spLocks noGrp="1"/>
           </p:cNvSpPr>
@@ -846,16 +876,16 @@
         <p:spPr>
           <a:xfrm>
             <a:off x="1143000" y="685800"/>
-            <a:ext cx="4571640" cy="3428640"/>
-          </a:xfrm>
-          <a:prstGeom prst="rect">
-            <a:avLst/>
-          </a:prstGeom>
-        </p:spPr>
-      </p:sp>
-      <p:sp>
-        <p:nvSpPr>
-          <p:cNvPr id="212" name="PlaceHolder 2"/>
+            <a:ext cx="4571280" cy="3428280"/>
+          </a:xfrm>
+          <a:prstGeom prst="rect">
+            <a:avLst/>
+          </a:prstGeom>
+        </p:spPr>
+      </p:sp>
+      <p:sp>
+        <p:nvSpPr>
+          <p:cNvPr id="206" name="PlaceHolder 2"/>
           <p:cNvSpPr>
             <a:spLocks noGrp="1"/>
           </p:cNvSpPr>
@@ -866,18 +896,18 @@
         <p:spPr>
           <a:xfrm>
             <a:off x="685800" y="4343400"/>
-            <a:ext cx="5486040" cy="4114440"/>
-          </a:xfrm>
-          <a:prstGeom prst="rect">
-            <a:avLst/>
-          </a:prstGeom>
-        </p:spPr>
-        <p:txBody>
-          <a:bodyPr>
+            <a:ext cx="5485680" cy="4114080"/>
+          </a:xfrm>
+          <a:prstGeom prst="rect">
+            <a:avLst/>
+          </a:prstGeom>
+        </p:spPr>
+        <p:txBody>
+          <a:bodyPr lIns="0" rIns="0" tIns="0" bIns="0">
             <a:noAutofit/>
           </a:bodyPr>
           <a:p>
-            <a:pPr>
+            <a:pPr marL="216000" indent="-216000">
               <a:lnSpc>
                 <a:spcPct val="100000"/>
               </a:lnSpc>
@@ -896,7 +926,7 @@
             </a:endParaRPr>
           </a:p>
           <a:p>
-            <a:pPr>
+            <a:pPr marL="216000" indent="-216000">
               <a:lnSpc>
                 <a:spcPct val="100000"/>
               </a:lnSpc>
@@ -912,14 +942,14 @@
       </p:sp>
       <p:sp>
         <p:nvSpPr>
-          <p:cNvPr id="213" name="TextShape 3"/>
-          <p:cNvSpPr txBox="1"/>
+          <p:cNvPr id="207" name="CustomShape 3"/>
+          <p:cNvSpPr/>
           <p:nvPr/>
         </p:nvSpPr>
         <p:spPr>
           <a:xfrm>
             <a:off x="3884760" y="8685360"/>
-            <a:ext cx="2971440" cy="456840"/>
+            <a:ext cx="2971080" cy="456480"/>
           </a:xfrm>
           <a:prstGeom prst="rect">
             <a:avLst/>
@@ -929,8 +959,14 @@
             <a:noFill/>
           </a:ln>
         </p:spPr>
-        <p:txBody>
-          <a:bodyPr anchor="b">
+        <p:style>
+          <a:lnRef idx="0"/>
+          <a:fillRef idx="0"/>
+          <a:effectRef idx="0"/>
+          <a:fontRef idx="minor"/>
+        </p:style>
+        <p:txBody>
+          <a:bodyPr lIns="90000" rIns="90000" tIns="45000" bIns="45000" anchor="b">
             <a:noAutofit/>
           </a:bodyPr>
           <a:p>
@@ -939,7 +975,7 @@
                 <a:spcPct val="100000"/>
               </a:lnSpc>
             </a:pPr>
-            <a:fld id="{6C209796-448A-46FE-88CF-87C3B8AD7658}" type="slidenum">
+            <a:fld id="{BB165628-3BC1-4DF7-96B0-F96C2AD6F705}" type="slidenum">
               <a:rPr b="0" lang="en-US" sz="1200" spc="-1" strike="noStrike">
                 <a:solidFill>
                   <a:srgbClr val="000000"/>
@@ -950,7 +986,7 @@
               <a:t>&lt;number&gt;</a:t>
             </a:fld>
             <a:endParaRPr b="0" lang="en-US" sz="1200" spc="-1" strike="noStrike">
-              <a:latin typeface="Times New Roman"/>
+              <a:latin typeface="Arial"/>
             </a:endParaRPr>
           </a:p>
         </p:txBody>
@@ -2982,7 +3018,7 @@
       </p:grpSpPr>
       <p:sp>
         <p:nvSpPr>
-          <p:cNvPr id="81" name="PlaceHolder 1"/>
+          <p:cNvPr id="78" name="PlaceHolder 1"/>
           <p:cNvSpPr>
             <a:spLocks noGrp="1"/>
           </p:cNvSpPr>
@@ -3013,7 +3049,7 @@
       </p:sp>
       <p:sp>
         <p:nvSpPr>
-          <p:cNvPr id="82" name="PlaceHolder 2"/>
+          <p:cNvPr id="79" name="PlaceHolder 2"/>
           <p:cNvSpPr>
             <a:spLocks noGrp="1"/>
           </p:cNvSpPr>
@@ -3066,7 +3102,7 @@
       </p:grpSpPr>
       <p:sp>
         <p:nvSpPr>
-          <p:cNvPr id="83" name="PlaceHolder 1"/>
+          <p:cNvPr id="80" name="PlaceHolder 1"/>
           <p:cNvSpPr>
             <a:spLocks noGrp="1"/>
           </p:cNvSpPr>
@@ -3097,7 +3133,7 @@
       </p:sp>
       <p:sp>
         <p:nvSpPr>
-          <p:cNvPr id="84" name="PlaceHolder 2"/>
+          <p:cNvPr id="81" name="PlaceHolder 2"/>
           <p:cNvSpPr>
             <a:spLocks noGrp="1"/>
           </p:cNvSpPr>
@@ -3149,7 +3185,7 @@
       </p:grpSpPr>
       <p:sp>
         <p:nvSpPr>
-          <p:cNvPr id="85" name="PlaceHolder 1"/>
+          <p:cNvPr id="82" name="PlaceHolder 1"/>
           <p:cNvSpPr>
             <a:spLocks noGrp="1"/>
           </p:cNvSpPr>
@@ -3180,7 +3216,7 @@
       </p:sp>
       <p:sp>
         <p:nvSpPr>
-          <p:cNvPr id="86" name="PlaceHolder 2"/>
+          <p:cNvPr id="83" name="PlaceHolder 2"/>
           <p:cNvSpPr>
             <a:spLocks noGrp="1"/>
           </p:cNvSpPr>
@@ -3210,7 +3246,7 @@
       </p:sp>
       <p:sp>
         <p:nvSpPr>
-          <p:cNvPr id="87" name="PlaceHolder 3"/>
+          <p:cNvPr id="84" name="PlaceHolder 3"/>
           <p:cNvSpPr>
             <a:spLocks noGrp="1"/>
           </p:cNvSpPr>
@@ -3262,7 +3298,7 @@
       </p:grpSpPr>
       <p:sp>
         <p:nvSpPr>
-          <p:cNvPr id="88" name="PlaceHolder 1"/>
+          <p:cNvPr id="85" name="PlaceHolder 1"/>
           <p:cNvSpPr>
             <a:spLocks noGrp="1"/>
           </p:cNvSpPr>
@@ -3398,7 +3434,7 @@
       </p:grpSpPr>
       <p:sp>
         <p:nvSpPr>
-          <p:cNvPr id="89" name="PlaceHolder 1"/>
+          <p:cNvPr id="86" name="PlaceHolder 1"/>
           <p:cNvSpPr>
             <a:spLocks noGrp="1"/>
           </p:cNvSpPr>
@@ -3451,7 +3487,7 @@
       </p:grpSpPr>
       <p:sp>
         <p:nvSpPr>
-          <p:cNvPr id="90" name="PlaceHolder 1"/>
+          <p:cNvPr id="87" name="PlaceHolder 1"/>
           <p:cNvSpPr>
             <a:spLocks noGrp="1"/>
           </p:cNvSpPr>
@@ -3482,7 +3518,7 @@
       </p:sp>
       <p:sp>
         <p:nvSpPr>
-          <p:cNvPr id="91" name="PlaceHolder 2"/>
+          <p:cNvPr id="88" name="PlaceHolder 2"/>
           <p:cNvSpPr>
             <a:spLocks noGrp="1"/>
           </p:cNvSpPr>
@@ -3512,7 +3548,7 @@
       </p:sp>
       <p:sp>
         <p:nvSpPr>
-          <p:cNvPr id="92" name="PlaceHolder 3"/>
+          <p:cNvPr id="89" name="PlaceHolder 3"/>
           <p:cNvSpPr>
             <a:spLocks noGrp="1"/>
           </p:cNvSpPr>
@@ -3542,7 +3578,7 @@
       </p:sp>
       <p:sp>
         <p:nvSpPr>
-          <p:cNvPr id="93" name="PlaceHolder 4"/>
+          <p:cNvPr id="90" name="PlaceHolder 4"/>
           <p:cNvSpPr>
             <a:spLocks noGrp="1"/>
           </p:cNvSpPr>
@@ -3594,7 +3630,7 @@
       </p:grpSpPr>
       <p:sp>
         <p:nvSpPr>
-          <p:cNvPr id="94" name="PlaceHolder 1"/>
+          <p:cNvPr id="91" name="PlaceHolder 1"/>
           <p:cNvSpPr>
             <a:spLocks noGrp="1"/>
           </p:cNvSpPr>
@@ -3625,7 +3661,7 @@
       </p:sp>
       <p:sp>
         <p:nvSpPr>
-          <p:cNvPr id="95" name="PlaceHolder 2"/>
+          <p:cNvPr id="92" name="PlaceHolder 2"/>
           <p:cNvSpPr>
             <a:spLocks noGrp="1"/>
           </p:cNvSpPr>
@@ -3655,7 +3691,7 @@
       </p:sp>
       <p:sp>
         <p:nvSpPr>
-          <p:cNvPr id="96" name="PlaceHolder 3"/>
+          <p:cNvPr id="93" name="PlaceHolder 3"/>
           <p:cNvSpPr>
             <a:spLocks noGrp="1"/>
           </p:cNvSpPr>
@@ -3685,7 +3721,7 @@
       </p:sp>
       <p:sp>
         <p:nvSpPr>
-          <p:cNvPr id="97" name="PlaceHolder 4"/>
+          <p:cNvPr id="94" name="PlaceHolder 4"/>
           <p:cNvSpPr>
             <a:spLocks noGrp="1"/>
           </p:cNvSpPr>
@@ -3737,7 +3773,7 @@
       </p:grpSpPr>
       <p:sp>
         <p:nvSpPr>
-          <p:cNvPr id="98" name="PlaceHolder 1"/>
+          <p:cNvPr id="95" name="PlaceHolder 1"/>
           <p:cNvSpPr>
             <a:spLocks noGrp="1"/>
           </p:cNvSpPr>
@@ -3768,7 +3804,7 @@
       </p:sp>
       <p:sp>
         <p:nvSpPr>
-          <p:cNvPr id="99" name="PlaceHolder 2"/>
+          <p:cNvPr id="96" name="PlaceHolder 2"/>
           <p:cNvSpPr>
             <a:spLocks noGrp="1"/>
           </p:cNvSpPr>
@@ -3798,7 +3834,7 @@
       </p:sp>
       <p:sp>
         <p:nvSpPr>
-          <p:cNvPr id="100" name="PlaceHolder 3"/>
+          <p:cNvPr id="97" name="PlaceHolder 3"/>
           <p:cNvSpPr>
             <a:spLocks noGrp="1"/>
           </p:cNvSpPr>
@@ -3828,7 +3864,7 @@
       </p:sp>
       <p:sp>
         <p:nvSpPr>
-          <p:cNvPr id="101" name="PlaceHolder 4"/>
+          <p:cNvPr id="98" name="PlaceHolder 4"/>
           <p:cNvSpPr>
             <a:spLocks noGrp="1"/>
           </p:cNvSpPr>
@@ -3880,7 +3916,7 @@
       </p:grpSpPr>
       <p:sp>
         <p:nvSpPr>
-          <p:cNvPr id="102" name="PlaceHolder 1"/>
+          <p:cNvPr id="99" name="PlaceHolder 1"/>
           <p:cNvSpPr>
             <a:spLocks noGrp="1"/>
           </p:cNvSpPr>
@@ -3911,7 +3947,7 @@
       </p:sp>
       <p:sp>
         <p:nvSpPr>
-          <p:cNvPr id="103" name="PlaceHolder 2"/>
+          <p:cNvPr id="100" name="PlaceHolder 2"/>
           <p:cNvSpPr>
             <a:spLocks noGrp="1"/>
           </p:cNvSpPr>
@@ -3941,7 +3977,7 @@
       </p:sp>
       <p:sp>
         <p:nvSpPr>
-          <p:cNvPr id="104" name="PlaceHolder 3"/>
+          <p:cNvPr id="101" name="PlaceHolder 3"/>
           <p:cNvSpPr>
             <a:spLocks noGrp="1"/>
           </p:cNvSpPr>
@@ -3993,7 +4029,7 @@
       </p:grpSpPr>
       <p:sp>
         <p:nvSpPr>
-          <p:cNvPr id="105" name="PlaceHolder 1"/>
+          <p:cNvPr id="102" name="PlaceHolder 1"/>
           <p:cNvSpPr>
             <a:spLocks noGrp="1"/>
           </p:cNvSpPr>
@@ -4024,7 +4060,7 @@
       </p:sp>
       <p:sp>
         <p:nvSpPr>
-          <p:cNvPr id="106" name="PlaceHolder 2"/>
+          <p:cNvPr id="103" name="PlaceHolder 2"/>
           <p:cNvSpPr>
             <a:spLocks noGrp="1"/>
           </p:cNvSpPr>
@@ -4054,7 +4090,7 @@
       </p:sp>
       <p:sp>
         <p:nvSpPr>
-          <p:cNvPr id="107" name="PlaceHolder 3"/>
+          <p:cNvPr id="104" name="PlaceHolder 3"/>
           <p:cNvSpPr>
             <a:spLocks noGrp="1"/>
           </p:cNvSpPr>
@@ -4084,7 +4120,7 @@
       </p:sp>
       <p:sp>
         <p:nvSpPr>
-          <p:cNvPr id="108" name="PlaceHolder 4"/>
+          <p:cNvPr id="105" name="PlaceHolder 4"/>
           <p:cNvSpPr>
             <a:spLocks noGrp="1"/>
           </p:cNvSpPr>
@@ -4114,7 +4150,7 @@
       </p:sp>
       <p:sp>
         <p:nvSpPr>
-          <p:cNvPr id="109" name="PlaceHolder 5"/>
+          <p:cNvPr id="106" name="PlaceHolder 5"/>
           <p:cNvSpPr>
             <a:spLocks noGrp="1"/>
           </p:cNvSpPr>
@@ -4166,7 +4202,7 @@
       </p:grpSpPr>
       <p:sp>
         <p:nvSpPr>
-          <p:cNvPr id="110" name="PlaceHolder 1"/>
+          <p:cNvPr id="107" name="PlaceHolder 1"/>
           <p:cNvSpPr>
             <a:spLocks noGrp="1"/>
           </p:cNvSpPr>
@@ -4197,7 +4233,7 @@
       </p:sp>
       <p:sp>
         <p:nvSpPr>
-          <p:cNvPr id="111" name="PlaceHolder 2"/>
+          <p:cNvPr id="108" name="PlaceHolder 2"/>
           <p:cNvSpPr>
             <a:spLocks noGrp="1"/>
           </p:cNvSpPr>
@@ -4227,7 +4263,7 @@
       </p:sp>
       <p:sp>
         <p:nvSpPr>
-          <p:cNvPr id="112" name="PlaceHolder 3"/>
+          <p:cNvPr id="109" name="PlaceHolder 3"/>
           <p:cNvSpPr>
             <a:spLocks noGrp="1"/>
           </p:cNvSpPr>
@@ -4257,7 +4293,7 @@
       </p:sp>
       <p:sp>
         <p:nvSpPr>
-          <p:cNvPr id="113" name="PlaceHolder 4"/>
+          <p:cNvPr id="110" name="PlaceHolder 4"/>
           <p:cNvSpPr>
             <a:spLocks noGrp="1"/>
           </p:cNvSpPr>
@@ -4287,7 +4323,7 @@
       </p:sp>
       <p:sp>
         <p:nvSpPr>
-          <p:cNvPr id="114" name="PlaceHolder 5"/>
+          <p:cNvPr id="111" name="PlaceHolder 5"/>
           <p:cNvSpPr>
             <a:spLocks noGrp="1"/>
           </p:cNvSpPr>
@@ -4317,7 +4353,7 @@
       </p:sp>
       <p:sp>
         <p:nvSpPr>
-          <p:cNvPr id="115" name="PlaceHolder 6"/>
+          <p:cNvPr id="112" name="PlaceHolder 6"/>
           <p:cNvSpPr>
             <a:spLocks noGrp="1"/>
           </p:cNvSpPr>
@@ -4347,7 +4383,7 @@
       </p:sp>
       <p:sp>
         <p:nvSpPr>
-          <p:cNvPr id="116" name="PlaceHolder 7"/>
+          <p:cNvPr id="113" name="PlaceHolder 7"/>
           <p:cNvSpPr>
             <a:spLocks noGrp="1"/>
           </p:cNvSpPr>
@@ -4421,7 +4457,7 @@
       </p:grpSpPr>
       <p:sp>
         <p:nvSpPr>
-          <p:cNvPr id="122" name="PlaceHolder 1"/>
+          <p:cNvPr id="116" name="PlaceHolder 1"/>
           <p:cNvSpPr>
             <a:spLocks noGrp="1"/>
           </p:cNvSpPr>
@@ -4452,7 +4488,7 @@
       </p:sp>
       <p:sp>
         <p:nvSpPr>
-          <p:cNvPr id="123" name="PlaceHolder 2"/>
+          <p:cNvPr id="117" name="PlaceHolder 2"/>
           <p:cNvSpPr>
             <a:spLocks noGrp="1"/>
           </p:cNvSpPr>
@@ -4505,7 +4541,7 @@
       </p:grpSpPr>
       <p:sp>
         <p:nvSpPr>
-          <p:cNvPr id="124" name="PlaceHolder 1"/>
+          <p:cNvPr id="118" name="PlaceHolder 1"/>
           <p:cNvSpPr>
             <a:spLocks noGrp="1"/>
           </p:cNvSpPr>
@@ -4536,7 +4572,7 @@
       </p:sp>
       <p:sp>
         <p:nvSpPr>
-          <p:cNvPr id="125" name="PlaceHolder 2"/>
+          <p:cNvPr id="119" name="PlaceHolder 2"/>
           <p:cNvSpPr>
             <a:spLocks noGrp="1"/>
           </p:cNvSpPr>
@@ -4701,7 +4737,7 @@
       </p:grpSpPr>
       <p:sp>
         <p:nvSpPr>
-          <p:cNvPr id="126" name="PlaceHolder 1"/>
+          <p:cNvPr id="120" name="PlaceHolder 1"/>
           <p:cNvSpPr>
             <a:spLocks noGrp="1"/>
           </p:cNvSpPr>
@@ -4732,7 +4768,7 @@
       </p:sp>
       <p:sp>
         <p:nvSpPr>
-          <p:cNvPr id="127" name="PlaceHolder 2"/>
+          <p:cNvPr id="121" name="PlaceHolder 2"/>
           <p:cNvSpPr>
             <a:spLocks noGrp="1"/>
           </p:cNvSpPr>
@@ -4762,7 +4798,7 @@
       </p:sp>
       <p:sp>
         <p:nvSpPr>
-          <p:cNvPr id="128" name="PlaceHolder 3"/>
+          <p:cNvPr id="122" name="PlaceHolder 3"/>
           <p:cNvSpPr>
             <a:spLocks noGrp="1"/>
           </p:cNvSpPr>
@@ -4814,7 +4850,7 @@
       </p:grpSpPr>
       <p:sp>
         <p:nvSpPr>
-          <p:cNvPr id="129" name="PlaceHolder 1"/>
+          <p:cNvPr id="123" name="PlaceHolder 1"/>
           <p:cNvSpPr>
             <a:spLocks noGrp="1"/>
           </p:cNvSpPr>
@@ -4867,7 +4903,7 @@
       </p:grpSpPr>
       <p:sp>
         <p:nvSpPr>
-          <p:cNvPr id="130" name="PlaceHolder 1"/>
+          <p:cNvPr id="124" name="PlaceHolder 1"/>
           <p:cNvSpPr>
             <a:spLocks noGrp="1"/>
           </p:cNvSpPr>
@@ -4920,7 +4956,7 @@
       </p:grpSpPr>
       <p:sp>
         <p:nvSpPr>
-          <p:cNvPr id="131" name="PlaceHolder 1"/>
+          <p:cNvPr id="125" name="PlaceHolder 1"/>
           <p:cNvSpPr>
             <a:spLocks noGrp="1"/>
           </p:cNvSpPr>
@@ -4951,7 +4987,7 @@
       </p:sp>
       <p:sp>
         <p:nvSpPr>
-          <p:cNvPr id="132" name="PlaceHolder 2"/>
+          <p:cNvPr id="126" name="PlaceHolder 2"/>
           <p:cNvSpPr>
             <a:spLocks noGrp="1"/>
           </p:cNvSpPr>
@@ -4981,7 +5017,7 @@
       </p:sp>
       <p:sp>
         <p:nvSpPr>
-          <p:cNvPr id="133" name="PlaceHolder 3"/>
+          <p:cNvPr id="127" name="PlaceHolder 3"/>
           <p:cNvSpPr>
             <a:spLocks noGrp="1"/>
           </p:cNvSpPr>
@@ -5011,7 +5047,7 @@
       </p:sp>
       <p:sp>
         <p:nvSpPr>
-          <p:cNvPr id="134" name="PlaceHolder 4"/>
+          <p:cNvPr id="128" name="PlaceHolder 4"/>
           <p:cNvSpPr>
             <a:spLocks noGrp="1"/>
           </p:cNvSpPr>
@@ -5063,7 +5099,7 @@
       </p:grpSpPr>
       <p:sp>
         <p:nvSpPr>
-          <p:cNvPr id="135" name="PlaceHolder 1"/>
+          <p:cNvPr id="129" name="PlaceHolder 1"/>
           <p:cNvSpPr>
             <a:spLocks noGrp="1"/>
           </p:cNvSpPr>
@@ -5094,7 +5130,7 @@
       </p:sp>
       <p:sp>
         <p:nvSpPr>
-          <p:cNvPr id="136" name="PlaceHolder 2"/>
+          <p:cNvPr id="130" name="PlaceHolder 2"/>
           <p:cNvSpPr>
             <a:spLocks noGrp="1"/>
           </p:cNvSpPr>
@@ -5124,7 +5160,7 @@
       </p:sp>
       <p:sp>
         <p:nvSpPr>
-          <p:cNvPr id="137" name="PlaceHolder 3"/>
+          <p:cNvPr id="131" name="PlaceHolder 3"/>
           <p:cNvSpPr>
             <a:spLocks noGrp="1"/>
           </p:cNvSpPr>
@@ -5154,7 +5190,7 @@
       </p:sp>
       <p:sp>
         <p:nvSpPr>
-          <p:cNvPr id="138" name="PlaceHolder 4"/>
+          <p:cNvPr id="132" name="PlaceHolder 4"/>
           <p:cNvSpPr>
             <a:spLocks noGrp="1"/>
           </p:cNvSpPr>
@@ -5206,7 +5242,7 @@
       </p:grpSpPr>
       <p:sp>
         <p:nvSpPr>
-          <p:cNvPr id="139" name="PlaceHolder 1"/>
+          <p:cNvPr id="133" name="PlaceHolder 1"/>
           <p:cNvSpPr>
             <a:spLocks noGrp="1"/>
           </p:cNvSpPr>
@@ -5237,7 +5273,7 @@
       </p:sp>
       <p:sp>
         <p:nvSpPr>
-          <p:cNvPr id="140" name="PlaceHolder 2"/>
+          <p:cNvPr id="134" name="PlaceHolder 2"/>
           <p:cNvSpPr>
             <a:spLocks noGrp="1"/>
           </p:cNvSpPr>
@@ -5267,7 +5303,7 @@
       </p:sp>
       <p:sp>
         <p:nvSpPr>
-          <p:cNvPr id="141" name="PlaceHolder 3"/>
+          <p:cNvPr id="135" name="PlaceHolder 3"/>
           <p:cNvSpPr>
             <a:spLocks noGrp="1"/>
           </p:cNvSpPr>
@@ -5297,7 +5333,7 @@
       </p:sp>
       <p:sp>
         <p:nvSpPr>
-          <p:cNvPr id="142" name="PlaceHolder 4"/>
+          <p:cNvPr id="136" name="PlaceHolder 4"/>
           <p:cNvSpPr>
             <a:spLocks noGrp="1"/>
           </p:cNvSpPr>
@@ -5349,7 +5385,7 @@
       </p:grpSpPr>
       <p:sp>
         <p:nvSpPr>
-          <p:cNvPr id="143" name="PlaceHolder 1"/>
+          <p:cNvPr id="137" name="PlaceHolder 1"/>
           <p:cNvSpPr>
             <a:spLocks noGrp="1"/>
           </p:cNvSpPr>
@@ -5380,7 +5416,7 @@
       </p:sp>
       <p:sp>
         <p:nvSpPr>
-          <p:cNvPr id="144" name="PlaceHolder 2"/>
+          <p:cNvPr id="138" name="PlaceHolder 2"/>
           <p:cNvSpPr>
             <a:spLocks noGrp="1"/>
           </p:cNvSpPr>
@@ -5410,7 +5446,7 @@
       </p:sp>
       <p:sp>
         <p:nvSpPr>
-          <p:cNvPr id="145" name="PlaceHolder 3"/>
+          <p:cNvPr id="139" name="PlaceHolder 3"/>
           <p:cNvSpPr>
             <a:spLocks noGrp="1"/>
           </p:cNvSpPr>
@@ -5462,7 +5498,7 @@
       </p:grpSpPr>
       <p:sp>
         <p:nvSpPr>
-          <p:cNvPr id="146" name="PlaceHolder 1"/>
+          <p:cNvPr id="140" name="PlaceHolder 1"/>
           <p:cNvSpPr>
             <a:spLocks noGrp="1"/>
           </p:cNvSpPr>
@@ -5493,7 +5529,7 @@
       </p:sp>
       <p:sp>
         <p:nvSpPr>
-          <p:cNvPr id="147" name="PlaceHolder 2"/>
+          <p:cNvPr id="141" name="PlaceHolder 2"/>
           <p:cNvSpPr>
             <a:spLocks noGrp="1"/>
           </p:cNvSpPr>
@@ -5523,7 +5559,7 @@
       </p:sp>
       <p:sp>
         <p:nvSpPr>
-          <p:cNvPr id="148" name="PlaceHolder 3"/>
+          <p:cNvPr id="142" name="PlaceHolder 3"/>
           <p:cNvSpPr>
             <a:spLocks noGrp="1"/>
           </p:cNvSpPr>
@@ -5553,7 +5589,7 @@
       </p:sp>
       <p:sp>
         <p:nvSpPr>
-          <p:cNvPr id="149" name="PlaceHolder 4"/>
+          <p:cNvPr id="143" name="PlaceHolder 4"/>
           <p:cNvSpPr>
             <a:spLocks noGrp="1"/>
           </p:cNvSpPr>
@@ -5583,7 +5619,7 @@
       </p:sp>
       <p:sp>
         <p:nvSpPr>
-          <p:cNvPr id="150" name="PlaceHolder 5"/>
+          <p:cNvPr id="144" name="PlaceHolder 5"/>
           <p:cNvSpPr>
             <a:spLocks noGrp="1"/>
           </p:cNvSpPr>
@@ -5635,7 +5671,7 @@
       </p:grpSpPr>
       <p:sp>
         <p:nvSpPr>
-          <p:cNvPr id="151" name="PlaceHolder 1"/>
+          <p:cNvPr id="145" name="PlaceHolder 1"/>
           <p:cNvSpPr>
             <a:spLocks noGrp="1"/>
           </p:cNvSpPr>
@@ -5666,7 +5702,7 @@
       </p:sp>
       <p:sp>
         <p:nvSpPr>
-          <p:cNvPr id="152" name="PlaceHolder 2"/>
+          <p:cNvPr id="146" name="PlaceHolder 2"/>
           <p:cNvSpPr>
             <a:spLocks noGrp="1"/>
           </p:cNvSpPr>
@@ -5696,7 +5732,7 @@
       </p:sp>
       <p:sp>
         <p:nvSpPr>
-          <p:cNvPr id="153" name="PlaceHolder 3"/>
+          <p:cNvPr id="147" name="PlaceHolder 3"/>
           <p:cNvSpPr>
             <a:spLocks noGrp="1"/>
           </p:cNvSpPr>
@@ -5726,7 +5762,7 @@
       </p:sp>
       <p:sp>
         <p:nvSpPr>
-          <p:cNvPr id="154" name="PlaceHolder 4"/>
+          <p:cNvPr id="148" name="PlaceHolder 4"/>
           <p:cNvSpPr>
             <a:spLocks noGrp="1"/>
           </p:cNvSpPr>
@@ -5756,7 +5792,7 @@
       </p:sp>
       <p:sp>
         <p:nvSpPr>
-          <p:cNvPr id="155" name="PlaceHolder 5"/>
+          <p:cNvPr id="149" name="PlaceHolder 5"/>
           <p:cNvSpPr>
             <a:spLocks noGrp="1"/>
           </p:cNvSpPr>
@@ -5786,7 +5822,7 @@
       </p:sp>
       <p:sp>
         <p:nvSpPr>
-          <p:cNvPr id="156" name="PlaceHolder 6"/>
+          <p:cNvPr id="150" name="PlaceHolder 6"/>
           <p:cNvSpPr>
             <a:spLocks noGrp="1"/>
           </p:cNvSpPr>
@@ -5816,7 +5852,7 @@
       </p:sp>
       <p:sp>
         <p:nvSpPr>
-          <p:cNvPr id="157" name="PlaceHolder 7"/>
+          <p:cNvPr id="151" name="PlaceHolder 7"/>
           <p:cNvSpPr>
             <a:spLocks noGrp="1"/>
           </p:cNvSpPr>
@@ -6437,13 +6473,7 @@
               <a:rPr b="0" lang="en-US" sz="4400" spc="-1" strike="noStrike">
                 <a:latin typeface="Arial"/>
               </a:rPr>
-              <a:t>Click to edit the title text </a:t>
-            </a:r>
-            <a:r>
-              <a:rPr b="0" lang="en-US" sz="4400" spc="-1" strike="noStrike">
-                <a:latin typeface="Arial"/>
-              </a:rPr>
-              <a:t>format</a:t>
+              <a:t>Click to edit the title text format</a:t>
             </a:r>
             <a:endParaRPr b="0" lang="en-US" sz="4400" spc="-1" strike="noStrike">
               <a:latin typeface="Arial"/>
@@ -6687,7 +6717,7 @@
         <p:spPr>
           <a:xfrm>
             <a:off x="457200" y="273600"/>
-            <a:ext cx="8229240" cy="1144800"/>
+            <a:ext cx="8228880" cy="1144440"/>
           </a:xfrm>
           <a:prstGeom prst="rect">
             <a:avLst/>
@@ -6700,12 +6730,12 @@
           <a:p>
             <a:pPr algn="ctr"/>
             <a:r>
-              <a:rPr b="0" lang="en-US" sz="4400" spc="-1" strike="noStrike">
+              <a:rPr b="0" lang="en-US" sz="1800" spc="-1" strike="noStrike">
                 <a:latin typeface="Arial"/>
               </a:rPr>
               <a:t>Click to edit the title text format</a:t>
             </a:r>
-            <a:endParaRPr b="0" lang="en-US" sz="4400" spc="-1" strike="noStrike">
+            <a:endParaRPr b="0" lang="en-US" sz="1800" spc="-1" strike="noStrike">
               <a:latin typeface="Arial"/>
             </a:endParaRPr>
           </a:p>
@@ -6946,37 +6976,27 @@
         </p:nvSpPr>
         <p:spPr>
           <a:xfrm>
-            <a:off x="685800" y="2130480"/>
-            <a:ext cx="7772040" cy="1469520"/>
-          </a:xfrm>
-          <a:prstGeom prst="rect">
-            <a:avLst/>
-          </a:prstGeom>
-        </p:spPr>
-        <p:txBody>
-          <a:bodyPr anchor="ctr">
+            <a:off x="457200" y="273600"/>
+            <a:ext cx="8229240" cy="1144800"/>
+          </a:xfrm>
+          <a:prstGeom prst="rect">
+            <a:avLst/>
+          </a:prstGeom>
+        </p:spPr>
+        <p:txBody>
+          <a:bodyPr lIns="0" rIns="0" tIns="0" bIns="0" anchor="ctr">
             <a:noAutofit/>
           </a:bodyPr>
           <a:p>
-            <a:pPr algn="ctr">
-              <a:lnSpc>
-                <a:spcPct val="100000"/>
-              </a:lnSpc>
-            </a:pPr>
-            <a:r>
-              <a:rPr b="0" lang="zh-CN" sz="4400" spc="-1" strike="noStrike">
-                <a:solidFill>
-                  <a:srgbClr val="000000"/>
-                </a:solidFill>
-                <a:latin typeface="Calibri"/>
-              </a:rPr>
-              <a:t>单击此处编辑母版标题样式</a:t>
+            <a:pPr algn="ctr"/>
+            <a:r>
+              <a:rPr b="0" lang="en-US" sz="4400" spc="-1" strike="noStrike">
+                <a:latin typeface="Arial"/>
+              </a:rPr>
+              <a:t>Click to edit the title text format</a:t>
             </a:r>
             <a:endParaRPr b="0" lang="en-US" sz="4400" spc="-1" strike="noStrike">
-              <a:solidFill>
-                <a:srgbClr val="000000"/>
-              </a:solidFill>
-              <a:latin typeface="Calibri"/>
+              <a:latin typeface="Arial"/>
             </a:endParaRPr>
           </a:p>
         </p:txBody>
@@ -6984,124 +7004,6 @@
       <p:sp>
         <p:nvSpPr>
           <p:cNvPr id="77" name="PlaceHolder 2"/>
-          <p:cNvSpPr>
-            <a:spLocks noGrp="1"/>
-          </p:cNvSpPr>
-          <p:nvPr>
-            <p:ph type="dt"/>
-          </p:nvPr>
-        </p:nvSpPr>
-        <p:spPr>
-          <a:xfrm>
-            <a:off x="457200" y="6356520"/>
-            <a:ext cx="2133360" cy="364680"/>
-          </a:xfrm>
-          <a:prstGeom prst="rect">
-            <a:avLst/>
-          </a:prstGeom>
-        </p:spPr>
-        <p:txBody>
-          <a:bodyPr anchor="ctr">
-            <a:noAutofit/>
-          </a:bodyPr>
-          <a:p>
-            <a:pPr>
-              <a:lnSpc>
-                <a:spcPct val="100000"/>
-              </a:lnSpc>
-            </a:pPr>
-            <a:fld id="{4CF2E1A0-B93C-40A0-8F19-FDFA2D79B969}" type="datetime">
-              <a:rPr b="0" lang="en-US" sz="1200" spc="-1" strike="noStrike">
-                <a:solidFill>
-                  <a:srgbClr val="8b8b8b"/>
-                </a:solidFill>
-                <a:latin typeface="Calibri"/>
-              </a:rPr>
-              <a:t>12/17/21</a:t>
-            </a:fld>
-            <a:endParaRPr b="0" lang="en-US" sz="1200" spc="-1" strike="noStrike">
-              <a:latin typeface="Times New Roman"/>
-            </a:endParaRPr>
-          </a:p>
-        </p:txBody>
-      </p:sp>
-      <p:sp>
-        <p:nvSpPr>
-          <p:cNvPr id="78" name="PlaceHolder 3"/>
-          <p:cNvSpPr>
-            <a:spLocks noGrp="1"/>
-          </p:cNvSpPr>
-          <p:nvPr>
-            <p:ph type="ftr"/>
-          </p:nvPr>
-        </p:nvSpPr>
-        <p:spPr>
-          <a:xfrm>
-            <a:off x="3124080" y="6356520"/>
-            <a:ext cx="2895120" cy="364680"/>
-          </a:xfrm>
-          <a:prstGeom prst="rect">
-            <a:avLst/>
-          </a:prstGeom>
-        </p:spPr>
-        <p:txBody>
-          <a:bodyPr anchor="ctr">
-            <a:noAutofit/>
-          </a:bodyPr>
-          <a:p>
-            <a:endParaRPr b="0" lang="en-US" sz="2400" spc="-1" strike="noStrike">
-              <a:latin typeface="Times New Roman"/>
-            </a:endParaRPr>
-          </a:p>
-        </p:txBody>
-      </p:sp>
-      <p:sp>
-        <p:nvSpPr>
-          <p:cNvPr id="79" name="PlaceHolder 4"/>
-          <p:cNvSpPr>
-            <a:spLocks noGrp="1"/>
-          </p:cNvSpPr>
-          <p:nvPr>
-            <p:ph type="sldNum"/>
-          </p:nvPr>
-        </p:nvSpPr>
-        <p:spPr>
-          <a:xfrm>
-            <a:off x="6553080" y="6356520"/>
-            <a:ext cx="2133360" cy="364680"/>
-          </a:xfrm>
-          <a:prstGeom prst="rect">
-            <a:avLst/>
-          </a:prstGeom>
-        </p:spPr>
-        <p:txBody>
-          <a:bodyPr anchor="ctr">
-            <a:noAutofit/>
-          </a:bodyPr>
-          <a:p>
-            <a:pPr algn="r">
-              <a:lnSpc>
-                <a:spcPct val="100000"/>
-              </a:lnSpc>
-            </a:pPr>
-            <a:fld id="{601E098D-9765-4A07-924C-6D84A9C84EDB}" type="slidenum">
-              <a:rPr b="0" lang="en-US" sz="1200" spc="-1" strike="noStrike">
-                <a:solidFill>
-                  <a:srgbClr val="8b8b8b"/>
-                </a:solidFill>
-                <a:latin typeface="Calibri"/>
-              </a:rPr>
-              <a:t>&lt;number&gt;</a:t>
-            </a:fld>
-            <a:endParaRPr b="0" lang="en-US" sz="1200" spc="-1" strike="noStrike">
-              <a:latin typeface="Times New Roman"/>
-            </a:endParaRPr>
-          </a:p>
-        </p:txBody>
-      </p:sp>
-      <p:sp>
-        <p:nvSpPr>
-          <p:cNvPr id="80" name="PlaceHolder 5"/>
           <p:cNvSpPr>
             <a:spLocks noGrp="1"/>
           </p:cNvSpPr>
@@ -7136,18 +7038,12 @@
             </a:pPr>
             <a:r>
               <a:rPr b="0" lang="en-US" sz="3200" spc="-1" strike="noStrike">
-                <a:solidFill>
-                  <a:srgbClr val="000000"/>
-                </a:solidFill>
-                <a:latin typeface="Calibri"/>
+                <a:latin typeface="Arial"/>
               </a:rPr>
               <a:t>Click to edit the outline text format</a:t>
             </a:r>
             <a:endParaRPr b="0" lang="en-US" sz="3200" spc="-1" strike="noStrike">
-              <a:solidFill>
-                <a:srgbClr val="000000"/>
-              </a:solidFill>
-              <a:latin typeface="Calibri"/>
+              <a:latin typeface="Arial"/>
             </a:endParaRPr>
           </a:p>
           <a:p>
@@ -7163,19 +7059,13 @@
               <a:buChar char=""/>
             </a:pPr>
             <a:r>
-              <a:rPr b="0" lang="en-US" sz="2400" spc="-1" strike="noStrike">
-                <a:solidFill>
-                  <a:srgbClr val="000000"/>
-                </a:solidFill>
-                <a:latin typeface="Calibri"/>
+              <a:rPr b="0" lang="en-US" sz="2800" spc="-1" strike="noStrike">
+                <a:latin typeface="Arial"/>
               </a:rPr>
               <a:t>Second Outline Level</a:t>
             </a:r>
-            <a:endParaRPr b="0" lang="en-US" sz="2400" spc="-1" strike="noStrike">
-              <a:solidFill>
-                <a:srgbClr val="000000"/>
-              </a:solidFill>
-              <a:latin typeface="Calibri"/>
+            <a:endParaRPr b="0" lang="en-US" sz="2800" spc="-1" strike="noStrike">
+              <a:latin typeface="Arial"/>
             </a:endParaRPr>
           </a:p>
           <a:p>
@@ -7191,19 +7081,13 @@
               <a:buChar char=""/>
             </a:pPr>
             <a:r>
-              <a:rPr b="0" lang="en-US" sz="2000" spc="-1" strike="noStrike">
-                <a:solidFill>
-                  <a:srgbClr val="000000"/>
-                </a:solidFill>
-                <a:latin typeface="Calibri"/>
+              <a:rPr b="0" lang="en-US" sz="2400" spc="-1" strike="noStrike">
+                <a:latin typeface="Arial"/>
               </a:rPr>
               <a:t>Third Outline Level</a:t>
             </a:r>
-            <a:endParaRPr b="0" lang="en-US" sz="2000" spc="-1" strike="noStrike">
-              <a:solidFill>
-                <a:srgbClr val="000000"/>
-              </a:solidFill>
-              <a:latin typeface="Calibri"/>
+            <a:endParaRPr b="0" lang="en-US" sz="2400" spc="-1" strike="noStrike">
+              <a:latin typeface="Arial"/>
             </a:endParaRPr>
           </a:p>
           <a:p>
@@ -7220,18 +7104,12 @@
             </a:pPr>
             <a:r>
               <a:rPr b="0" lang="en-US" sz="2000" spc="-1" strike="noStrike">
-                <a:solidFill>
-                  <a:srgbClr val="000000"/>
-                </a:solidFill>
-                <a:latin typeface="Calibri"/>
+                <a:latin typeface="Arial"/>
               </a:rPr>
               <a:t>Fourth Outline Level</a:t>
             </a:r>
             <a:endParaRPr b="0" lang="en-US" sz="2000" spc="-1" strike="noStrike">
-              <a:solidFill>
-                <a:srgbClr val="000000"/>
-              </a:solidFill>
-              <a:latin typeface="Calibri"/>
+              <a:latin typeface="Arial"/>
             </a:endParaRPr>
           </a:p>
           <a:p>
@@ -7248,18 +7126,12 @@
             </a:pPr>
             <a:r>
               <a:rPr b="0" lang="en-US" sz="2000" spc="-1" strike="noStrike">
-                <a:solidFill>
-                  <a:srgbClr val="000000"/>
-                </a:solidFill>
-                <a:latin typeface="Calibri"/>
+                <a:latin typeface="Arial"/>
               </a:rPr>
               <a:t>Fifth Outline Level</a:t>
             </a:r>
             <a:endParaRPr b="0" lang="en-US" sz="2000" spc="-1" strike="noStrike">
-              <a:solidFill>
-                <a:srgbClr val="000000"/>
-              </a:solidFill>
-              <a:latin typeface="Calibri"/>
+              <a:latin typeface="Arial"/>
             </a:endParaRPr>
           </a:p>
           <a:p>
@@ -7276,18 +7148,12 @@
             </a:pPr>
             <a:r>
               <a:rPr b="0" lang="en-US" sz="2000" spc="-1" strike="noStrike">
-                <a:solidFill>
-                  <a:srgbClr val="000000"/>
-                </a:solidFill>
-                <a:latin typeface="Calibri"/>
+                <a:latin typeface="Arial"/>
               </a:rPr>
               <a:t>Sixth Outline Level</a:t>
             </a:r>
             <a:endParaRPr b="0" lang="en-US" sz="2000" spc="-1" strike="noStrike">
-              <a:solidFill>
-                <a:srgbClr val="000000"/>
-              </a:solidFill>
-              <a:latin typeface="Calibri"/>
+              <a:latin typeface="Arial"/>
             </a:endParaRPr>
           </a:p>
           <a:p>
@@ -7304,18 +7170,12 @@
             </a:pPr>
             <a:r>
               <a:rPr b="0" lang="en-US" sz="2000" spc="-1" strike="noStrike">
-                <a:solidFill>
-                  <a:srgbClr val="000000"/>
-                </a:solidFill>
-                <a:latin typeface="Calibri"/>
+                <a:latin typeface="Arial"/>
               </a:rPr>
               <a:t>Seventh Outline Level</a:t>
             </a:r>
             <a:endParaRPr b="0" lang="en-US" sz="2000" spc="-1" strike="noStrike">
-              <a:solidFill>
-                <a:srgbClr val="000000"/>
-              </a:solidFill>
-              <a:latin typeface="Calibri"/>
+              <a:latin typeface="Arial"/>
             </a:endParaRPr>
           </a:p>
         </p:txBody>
@@ -7366,7 +7226,7 @@
       </p:grpSpPr>
       <p:sp>
         <p:nvSpPr>
-          <p:cNvPr id="117" name="PlaceHolder 1"/>
+          <p:cNvPr id="114" name="PlaceHolder 1"/>
           <p:cNvSpPr>
             <a:spLocks noGrp="1"/>
           </p:cNvSpPr>
@@ -7376,44 +7236,34 @@
         </p:nvSpPr>
         <p:spPr>
           <a:xfrm>
-            <a:off x="457200" y="274680"/>
-            <a:ext cx="8229240" cy="1142640"/>
-          </a:xfrm>
-          <a:prstGeom prst="rect">
-            <a:avLst/>
-          </a:prstGeom>
-        </p:spPr>
-        <p:txBody>
-          <a:bodyPr anchor="ctr">
+            <a:off x="457200" y="273600"/>
+            <a:ext cx="8229240" cy="1144800"/>
+          </a:xfrm>
+          <a:prstGeom prst="rect">
+            <a:avLst/>
+          </a:prstGeom>
+        </p:spPr>
+        <p:txBody>
+          <a:bodyPr lIns="0" rIns="0" tIns="0" bIns="0" anchor="ctr">
             <a:noAutofit/>
           </a:bodyPr>
           <a:p>
-            <a:pPr algn="ctr">
-              <a:lnSpc>
-                <a:spcPct val="100000"/>
-              </a:lnSpc>
-            </a:pPr>
-            <a:r>
-              <a:rPr b="0" lang="zh-CN" sz="4400" spc="-1" strike="noStrike">
-                <a:solidFill>
-                  <a:srgbClr val="000000"/>
-                </a:solidFill>
-                <a:latin typeface="Calibri"/>
-              </a:rPr>
-              <a:t>单击此处编辑母版标题样式</a:t>
+            <a:pPr algn="ctr"/>
+            <a:r>
+              <a:rPr b="0" lang="en-US" sz="4400" spc="-1" strike="noStrike">
+                <a:latin typeface="Arial"/>
+              </a:rPr>
+              <a:t>Click to edit the title text format</a:t>
             </a:r>
             <a:endParaRPr b="0" lang="en-US" sz="4400" spc="-1" strike="noStrike">
-              <a:solidFill>
-                <a:srgbClr val="000000"/>
-              </a:solidFill>
-              <a:latin typeface="Calibri"/>
-            </a:endParaRPr>
-          </a:p>
-        </p:txBody>
-      </p:sp>
-      <p:sp>
-        <p:nvSpPr>
-          <p:cNvPr id="118" name="PlaceHolder 2"/>
+              <a:latin typeface="Arial"/>
+            </a:endParaRPr>
+          </a:p>
+        </p:txBody>
+      </p:sp>
+      <p:sp>
+        <p:nvSpPr>
+          <p:cNvPr id="115" name="PlaceHolder 2"/>
           <p:cNvSpPr>
             <a:spLocks noGrp="1"/>
           </p:cNvSpPr>
@@ -7423,283 +7273,169 @@
         </p:nvSpPr>
         <p:spPr>
           <a:xfrm>
-            <a:off x="457200" y="1600200"/>
-            <a:ext cx="8229240" cy="4525560"/>
-          </a:xfrm>
-          <a:prstGeom prst="rect">
-            <a:avLst/>
-          </a:prstGeom>
-        </p:spPr>
-        <p:txBody>
-          <a:bodyPr>
-            <a:noAutofit/>
-          </a:bodyPr>
-          <a:p>
-            <a:pPr marL="343080" indent="-342720">
-              <a:lnSpc>
-                <a:spcPct val="100000"/>
-              </a:lnSpc>
+            <a:off x="457200" y="1604520"/>
+            <a:ext cx="8229240" cy="3977280"/>
+          </a:xfrm>
+          <a:prstGeom prst="rect">
+            <a:avLst/>
+          </a:prstGeom>
+        </p:spPr>
+        <p:txBody>
+          <a:bodyPr lIns="0" rIns="0" tIns="0" bIns="0">
+            <a:normAutofit/>
+          </a:bodyPr>
+          <a:p>
+            <a:pPr marL="432000" indent="-324000">
               <a:spcBef>
-                <a:spcPts val="641"/>
+                <a:spcPts val="1417"/>
               </a:spcBef>
               <a:buClr>
                 <a:srgbClr val="000000"/>
               </a:buClr>
-              <a:buFont typeface="Arial"/>
-              <a:buChar char="•"/>
+              <a:buSzPct val="45000"/>
+              <a:buFont typeface="Wingdings" charset="2"/>
+              <a:buChar char=""/>
             </a:pPr>
             <a:r>
-              <a:rPr b="0" lang="zh-CN" sz="3200" spc="-1" strike="noStrike">
-                <a:solidFill>
-                  <a:srgbClr val="000000"/>
-                </a:solidFill>
-                <a:latin typeface="Calibri"/>
-              </a:rPr>
-              <a:t>单击此处编辑母版文本样式</a:t>
-            </a:r>
-            <a:endParaRPr b="0" lang="en-US" sz="3200" spc="-1" strike="noStrike">
-              <a:solidFill>
-                <a:srgbClr val="000000"/>
-              </a:solidFill>
-              <a:latin typeface="Calibri"/>
-            </a:endParaRPr>
-          </a:p>
-          <a:p>
-            <a:pPr lvl="1" marL="743040" indent="-285480">
-              <a:lnSpc>
-                <a:spcPct val="100000"/>
-              </a:lnSpc>
+              <a:rPr b="0" lang="en-US" sz="3200" spc="-1" strike="noStrike">
+                <a:latin typeface="Arial"/>
+              </a:rPr>
+              <a:t>Click to edit the outline text format</a:t>
+            </a:r>
+            <a:endParaRPr b="0" lang="en-US" sz="3200" spc="-1" strike="noStrike">
+              <a:latin typeface="Arial"/>
+            </a:endParaRPr>
+          </a:p>
+          <a:p>
+            <a:pPr lvl="1" marL="864000" indent="-324000">
               <a:spcBef>
-                <a:spcPts val="561"/>
+                <a:spcPts val="1134"/>
               </a:spcBef>
               <a:buClr>
                 <a:srgbClr val="000000"/>
               </a:buClr>
-              <a:buFont typeface="Arial"/>
-              <a:buChar char="–"/>
+              <a:buSzPct val="75000"/>
+              <a:buFont typeface="Symbol" charset="2"/>
+              <a:buChar char=""/>
             </a:pPr>
             <a:r>
-              <a:rPr b="0" lang="zh-CN" sz="2800" spc="-1" strike="noStrike">
-                <a:solidFill>
-                  <a:srgbClr val="000000"/>
-                </a:solidFill>
-                <a:latin typeface="Calibri"/>
-              </a:rPr>
-              <a:t>二级</a:t>
+              <a:rPr b="0" lang="en-US" sz="2800" spc="-1" strike="noStrike">
+                <a:latin typeface="Arial"/>
+              </a:rPr>
+              <a:t>Second Outline Level</a:t>
             </a:r>
             <a:endParaRPr b="0" lang="en-US" sz="2800" spc="-1" strike="noStrike">
-              <a:solidFill>
-                <a:srgbClr val="000000"/>
-              </a:solidFill>
-              <a:latin typeface="Calibri"/>
-            </a:endParaRPr>
-          </a:p>
-          <a:p>
-            <a:pPr lvl="2" marL="1143000" indent="-228240">
-              <a:lnSpc>
-                <a:spcPct val="100000"/>
-              </a:lnSpc>
+              <a:latin typeface="Arial"/>
+            </a:endParaRPr>
+          </a:p>
+          <a:p>
+            <a:pPr lvl="2" marL="1296000" indent="-288000">
               <a:spcBef>
-                <a:spcPts val="479"/>
+                <a:spcPts val="850"/>
               </a:spcBef>
               <a:buClr>
                 <a:srgbClr val="000000"/>
               </a:buClr>
-              <a:buFont typeface="Arial"/>
-              <a:buChar char="•"/>
+              <a:buSzPct val="45000"/>
+              <a:buFont typeface="Wingdings" charset="2"/>
+              <a:buChar char=""/>
             </a:pPr>
             <a:r>
-              <a:rPr b="0" lang="zh-CN" sz="2400" spc="-1" strike="noStrike">
-                <a:solidFill>
-                  <a:srgbClr val="000000"/>
-                </a:solidFill>
-                <a:latin typeface="Calibri"/>
-              </a:rPr>
-              <a:t>三级</a:t>
+              <a:rPr b="0" lang="en-US" sz="2400" spc="-1" strike="noStrike">
+                <a:latin typeface="Arial"/>
+              </a:rPr>
+              <a:t>Third Outline Level</a:t>
             </a:r>
             <a:endParaRPr b="0" lang="en-US" sz="2400" spc="-1" strike="noStrike">
-              <a:solidFill>
-                <a:srgbClr val="000000"/>
-              </a:solidFill>
-              <a:latin typeface="Calibri"/>
-            </a:endParaRPr>
-          </a:p>
-          <a:p>
-            <a:pPr lvl="3" marL="1600200" indent="-228240">
-              <a:lnSpc>
-                <a:spcPct val="100000"/>
-              </a:lnSpc>
+              <a:latin typeface="Arial"/>
+            </a:endParaRPr>
+          </a:p>
+          <a:p>
+            <a:pPr lvl="3" marL="1728000" indent="-216000">
               <a:spcBef>
-                <a:spcPts val="400"/>
+                <a:spcPts val="567"/>
               </a:spcBef>
               <a:buClr>
                 <a:srgbClr val="000000"/>
               </a:buClr>
-              <a:buFont typeface="Arial"/>
-              <a:buChar char="–"/>
+              <a:buSzPct val="75000"/>
+              <a:buFont typeface="Symbol" charset="2"/>
+              <a:buChar char=""/>
             </a:pPr>
             <a:r>
-              <a:rPr b="0" lang="zh-CN" sz="2000" spc="-1" strike="noStrike">
-                <a:solidFill>
-                  <a:srgbClr val="000000"/>
-                </a:solidFill>
-                <a:latin typeface="Calibri"/>
-              </a:rPr>
-              <a:t>四级</a:t>
+              <a:rPr b="0" lang="en-US" sz="2000" spc="-1" strike="noStrike">
+                <a:latin typeface="Arial"/>
+              </a:rPr>
+              <a:t>Fourth Outline Level</a:t>
             </a:r>
             <a:endParaRPr b="0" lang="en-US" sz="2000" spc="-1" strike="noStrike">
-              <a:solidFill>
-                <a:srgbClr val="000000"/>
-              </a:solidFill>
-              <a:latin typeface="Calibri"/>
-            </a:endParaRPr>
-          </a:p>
-          <a:p>
-            <a:pPr lvl="4" marL="2057400" indent="-228240">
-              <a:lnSpc>
-                <a:spcPct val="100000"/>
-              </a:lnSpc>
+              <a:latin typeface="Arial"/>
+            </a:endParaRPr>
+          </a:p>
+          <a:p>
+            <a:pPr lvl="4" marL="2160000" indent="-216000">
               <a:spcBef>
-                <a:spcPts val="400"/>
+                <a:spcPts val="283"/>
               </a:spcBef>
               <a:buClr>
                 <a:srgbClr val="000000"/>
               </a:buClr>
-              <a:buFont typeface="Arial"/>
-              <a:buChar char="»"/>
+              <a:buSzPct val="45000"/>
+              <a:buFont typeface="Wingdings" charset="2"/>
+              <a:buChar char=""/>
             </a:pPr>
             <a:r>
-              <a:rPr b="0" lang="zh-CN" sz="2000" spc="-1" strike="noStrike">
-                <a:solidFill>
-                  <a:srgbClr val="000000"/>
-                </a:solidFill>
-                <a:latin typeface="Calibri"/>
-              </a:rPr>
-              <a:t>五级</a:t>
+              <a:rPr b="0" lang="en-US" sz="2000" spc="-1" strike="noStrike">
+                <a:latin typeface="Arial"/>
+              </a:rPr>
+              <a:t>Fifth Outline Level</a:t>
             </a:r>
             <a:endParaRPr b="0" lang="en-US" sz="2000" spc="-1" strike="noStrike">
-              <a:solidFill>
+              <a:latin typeface="Arial"/>
+            </a:endParaRPr>
+          </a:p>
+          <a:p>
+            <a:pPr lvl="5" marL="2592000" indent="-216000">
+              <a:spcBef>
+                <a:spcPts val="283"/>
+              </a:spcBef>
+              <a:buClr>
                 <a:srgbClr val="000000"/>
-              </a:solidFill>
-              <a:latin typeface="Calibri"/>
-            </a:endParaRPr>
-          </a:p>
-        </p:txBody>
-      </p:sp>
-      <p:sp>
-        <p:nvSpPr>
-          <p:cNvPr id="119" name="PlaceHolder 3"/>
-          <p:cNvSpPr>
-            <a:spLocks noGrp="1"/>
-          </p:cNvSpPr>
-          <p:nvPr>
-            <p:ph type="dt"/>
-          </p:nvPr>
-        </p:nvSpPr>
-        <p:spPr>
-          <a:xfrm>
-            <a:off x="457200" y="6356520"/>
-            <a:ext cx="2133360" cy="364680"/>
-          </a:xfrm>
-          <a:prstGeom prst="rect">
-            <a:avLst/>
-          </a:prstGeom>
-        </p:spPr>
-        <p:txBody>
-          <a:bodyPr anchor="ctr">
-            <a:noAutofit/>
-          </a:bodyPr>
-          <a:p>
-            <a:pPr>
-              <a:lnSpc>
-                <a:spcPct val="100000"/>
-              </a:lnSpc>
+              </a:buClr>
+              <a:buSzPct val="45000"/>
+              <a:buFont typeface="Wingdings" charset="2"/>
+              <a:buChar char=""/>
             </a:pPr>
-            <a:fld id="{FF96B703-B1D3-44F3-9665-B7316BED6F16}" type="datetime">
-              <a:rPr b="0" lang="en-US" sz="1200" spc="-1" strike="noStrike">
-                <a:solidFill>
-                  <a:srgbClr val="8b8b8b"/>
-                </a:solidFill>
-                <a:latin typeface="Calibri"/>
-              </a:rPr>
-              <a:t>12/17/21</a:t>
-            </a:fld>
-            <a:endParaRPr b="0" lang="en-US" sz="1200" spc="-1" strike="noStrike">
-              <a:latin typeface="Times New Roman"/>
-            </a:endParaRPr>
-          </a:p>
-        </p:txBody>
-      </p:sp>
-      <p:sp>
-        <p:nvSpPr>
-          <p:cNvPr id="120" name="PlaceHolder 4"/>
-          <p:cNvSpPr>
-            <a:spLocks noGrp="1"/>
-          </p:cNvSpPr>
-          <p:nvPr>
-            <p:ph type="ftr"/>
-          </p:nvPr>
-        </p:nvSpPr>
-        <p:spPr>
-          <a:xfrm>
-            <a:off x="3124080" y="6356520"/>
-            <a:ext cx="2895120" cy="364680"/>
-          </a:xfrm>
-          <a:prstGeom prst="rect">
-            <a:avLst/>
-          </a:prstGeom>
-        </p:spPr>
-        <p:txBody>
-          <a:bodyPr anchor="ctr">
-            <a:noAutofit/>
-          </a:bodyPr>
-          <a:p>
-            <a:endParaRPr b="0" lang="en-US" sz="2400" spc="-1" strike="noStrike">
-              <a:latin typeface="Times New Roman"/>
-            </a:endParaRPr>
-          </a:p>
-        </p:txBody>
-      </p:sp>
-      <p:sp>
-        <p:nvSpPr>
-          <p:cNvPr id="121" name="PlaceHolder 5"/>
-          <p:cNvSpPr>
-            <a:spLocks noGrp="1"/>
-          </p:cNvSpPr>
-          <p:nvPr>
-            <p:ph type="sldNum"/>
-          </p:nvPr>
-        </p:nvSpPr>
-        <p:spPr>
-          <a:xfrm>
-            <a:off x="6553080" y="6356520"/>
-            <a:ext cx="2133360" cy="364680"/>
-          </a:xfrm>
-          <a:prstGeom prst="rect">
-            <a:avLst/>
-          </a:prstGeom>
-        </p:spPr>
-        <p:txBody>
-          <a:bodyPr anchor="ctr">
-            <a:noAutofit/>
-          </a:bodyPr>
-          <a:p>
-            <a:pPr algn="r">
-              <a:lnSpc>
-                <a:spcPct val="100000"/>
-              </a:lnSpc>
+            <a:r>
+              <a:rPr b="0" lang="en-US" sz="2000" spc="-1" strike="noStrike">
+                <a:latin typeface="Arial"/>
+              </a:rPr>
+              <a:t>Sixth Outline Level</a:t>
+            </a:r>
+            <a:endParaRPr b="0" lang="en-US" sz="2000" spc="-1" strike="noStrike">
+              <a:latin typeface="Arial"/>
+            </a:endParaRPr>
+          </a:p>
+          <a:p>
+            <a:pPr lvl="6" marL="3024000" indent="-216000">
+              <a:spcBef>
+                <a:spcPts val="283"/>
+              </a:spcBef>
+              <a:buClr>
+                <a:srgbClr val="000000"/>
+              </a:buClr>
+              <a:buSzPct val="45000"/>
+              <a:buFont typeface="Wingdings" charset="2"/>
+              <a:buChar char=""/>
             </a:pPr>
-            <a:fld id="{703E9A22-8714-4B50-86ED-BF4F6D2B15F4}" type="slidenum">
-              <a:rPr b="0" lang="en-US" sz="1200" spc="-1" strike="noStrike">
-                <a:solidFill>
-                  <a:srgbClr val="8b8b8b"/>
-                </a:solidFill>
-                <a:latin typeface="Calibri"/>
-              </a:rPr>
-              <a:t>&lt;number&gt;</a:t>
-            </a:fld>
-            <a:endParaRPr b="0" lang="en-US" sz="1200" spc="-1" strike="noStrike">
-              <a:latin typeface="Times New Roman"/>
+            <a:r>
+              <a:rPr b="0" lang="en-US" sz="2000" spc="-1" strike="noStrike">
+                <a:latin typeface="Arial"/>
+              </a:rPr>
+              <a:t>Seventh Outline Level</a:t>
+            </a:r>
+            <a:endParaRPr b="0" lang="en-US" sz="2000" spc="-1" strike="noStrike">
+              <a:latin typeface="Arial"/>
             </a:endParaRPr>
           </a:p>
         </p:txBody>
@@ -7743,14 +7479,14 @@
       </p:grpSpPr>
       <p:sp>
         <p:nvSpPr>
-          <p:cNvPr id="164" name="CustomShape 1"/>
+          <p:cNvPr id="158" name="CustomShape 1"/>
           <p:cNvSpPr/>
           <p:nvPr/>
         </p:nvSpPr>
         <p:spPr>
           <a:xfrm>
             <a:off x="611640" y="2441520"/>
-            <a:ext cx="7770960" cy="1468440"/>
+            <a:ext cx="7770600" cy="1468080"/>
           </a:xfrm>
           <a:prstGeom prst="rect">
             <a:avLst/>
@@ -7784,7 +7520,17 @@
                 <a:latin typeface="Claire Hand"/>
                 <a:ea typeface="DejaVu Sans"/>
               </a:rPr>
-              <a:t>Introduction to Pyspark</a:t>
+              <a:t> </a:t>
+            </a:r>
+            <a:r>
+              <a:rPr b="0" lang="fr-FR" sz="4000" spc="-1" strike="noStrike">
+                <a:solidFill>
+                  <a:srgbClr val="000000"/>
+                </a:solidFill>
+                <a:latin typeface="Claire Hand"/>
+                <a:ea typeface="DejaVu Sans"/>
+              </a:rPr>
+              <a:t>Pyspark RDD</a:t>
             </a:r>
             <a:endParaRPr b="0" lang="en-US" sz="4000" spc="-1" strike="noStrike">
               <a:latin typeface="Arial"/>
@@ -7794,14 +7540,14 @@
       </p:sp>
       <p:sp>
         <p:nvSpPr>
-          <p:cNvPr id="165" name="CustomShape 2"/>
+          <p:cNvPr id="159" name="CustomShape 2"/>
           <p:cNvSpPr/>
           <p:nvPr/>
         </p:nvSpPr>
         <p:spPr>
           <a:xfrm>
             <a:off x="155520" y="-144360"/>
-            <a:ext cx="303480" cy="303480"/>
+            <a:ext cx="303120" cy="303120"/>
           </a:xfrm>
           <a:prstGeom prst="rect">
             <a:avLst/>
@@ -7820,7 +7566,7 @@
       </p:sp>
       <p:pic>
         <p:nvPicPr>
-          <p:cNvPr id="166" name="Picture 4" descr="Résultat de recherche d'images pour &quot;Microservices&quot;"/>
+          <p:cNvPr id="160" name="Picture 4" descr="Résultat de recherche d'images pour &quot;Microservices&quot;"/>
           <p:cNvPicPr/>
           <p:nvPr/>
         </p:nvPicPr>
@@ -7831,7 +7577,7 @@
         <p:spPr>
           <a:xfrm>
             <a:off x="155520" y="160200"/>
-            <a:ext cx="4775040" cy="1851840"/>
+            <a:ext cx="4774680" cy="1851480"/>
           </a:xfrm>
           <a:prstGeom prst="rect">
             <a:avLst/>
@@ -7843,14 +7589,14 @@
       </p:pic>
       <p:sp>
         <p:nvSpPr>
-          <p:cNvPr id="167" name="CustomShape 3"/>
+          <p:cNvPr id="161" name="CustomShape 3"/>
           <p:cNvSpPr/>
           <p:nvPr/>
         </p:nvSpPr>
         <p:spPr>
           <a:xfrm>
             <a:off x="2468880" y="3910320"/>
-            <a:ext cx="2468520" cy="345960"/>
+            <a:ext cx="2468160" cy="345600"/>
           </a:xfrm>
           <a:prstGeom prst="rect">
             <a:avLst/>
@@ -7878,7 +7624,11 @@
             </a:pPr>
             <a:r>
               <a:rPr b="0" lang="en-US" sz="1800" spc="-1" strike="noStrike">
+                <a:solidFill>
+                  <a:srgbClr val="000000"/>
+                </a:solidFill>
                 <a:latin typeface="Arial"/>
+                <a:ea typeface="DejaVu Sans"/>
               </a:rPr>
               <a:t>Rama Shanker</a:t>
             </a:r>
@@ -7920,14 +7670,14 @@
       </p:grpSpPr>
       <p:sp>
         <p:nvSpPr>
-          <p:cNvPr id="185" name="TextShape 1"/>
-          <p:cNvSpPr txBox="1"/>
+          <p:cNvPr id="179" name="CustomShape 1"/>
+          <p:cNvSpPr/>
           <p:nvPr/>
         </p:nvSpPr>
         <p:spPr>
           <a:xfrm>
             <a:off x="457200" y="274680"/>
-            <a:ext cx="8229240" cy="1142640"/>
+            <a:ext cx="8228880" cy="1142280"/>
           </a:xfrm>
           <a:prstGeom prst="rect">
             <a:avLst/>
@@ -7937,9 +7687,15 @@
             <a:noFill/>
           </a:ln>
         </p:spPr>
-        <p:txBody>
-          <a:bodyPr anchor="ctr">
-            <a:normAutofit fontScale="38000"/>
+        <p:style>
+          <a:lnRef idx="0"/>
+          <a:fillRef idx="0"/>
+          <a:effectRef idx="0"/>
+          <a:fontRef idx="minor"/>
+        </p:style>
+        <p:txBody>
+          <a:bodyPr lIns="90000" rIns="90000" tIns="45000" bIns="45000" anchor="ctr">
+            <a:normAutofit fontScale="55000"/>
           </a:bodyPr>
           <a:p>
             <a:pPr>
@@ -7977,24 +7733,21 @@
             </a:r>
             <a:br/>
             <a:endParaRPr b="0" lang="en-US" sz="4400" spc="-1" strike="noStrike">
-              <a:solidFill>
-                <a:srgbClr val="000000"/>
-              </a:solidFill>
-              <a:latin typeface="Calibri"/>
-            </a:endParaRPr>
-          </a:p>
-        </p:txBody>
-      </p:sp>
-      <p:sp>
-        <p:nvSpPr>
-          <p:cNvPr id="186" name="TextShape 2"/>
-          <p:cNvSpPr txBox="1"/>
+              <a:latin typeface="Arial"/>
+            </a:endParaRPr>
+          </a:p>
+        </p:txBody>
+      </p:sp>
+      <p:sp>
+        <p:nvSpPr>
+          <p:cNvPr id="180" name="CustomShape 2"/>
+          <p:cNvSpPr/>
           <p:nvPr/>
         </p:nvSpPr>
         <p:spPr>
           <a:xfrm>
             <a:off x="457200" y="1600200"/>
-            <a:ext cx="8229240" cy="4525560"/>
+            <a:ext cx="8228880" cy="4525200"/>
           </a:xfrm>
           <a:prstGeom prst="rect">
             <a:avLst/>
@@ -8004,12 +7757,18 @@
             <a:noFill/>
           </a:ln>
         </p:spPr>
-        <p:txBody>
-          <a:bodyPr>
+        <p:style>
+          <a:lnRef idx="0"/>
+          <a:fillRef idx="0"/>
+          <a:effectRef idx="0"/>
+          <a:fontRef idx="minor"/>
+        </p:style>
+        <p:txBody>
+          <a:bodyPr lIns="90000" rIns="90000" tIns="45000" bIns="45000">
             <a:normAutofit fontScale="88000"/>
           </a:bodyPr>
           <a:p>
-            <a:pPr marL="343080" indent="-342720">
+            <a:pPr marL="343080" indent="-342360">
               <a:lnSpc>
                 <a:spcPct val="100000"/>
               </a:lnSpc>
@@ -8032,10 +7791,7 @@
               <a:t>map()</a:t>
             </a:r>
             <a:endParaRPr b="0" lang="en-US" sz="2800" spc="-1" strike="noStrike">
-              <a:solidFill>
-                <a:srgbClr val="000000"/>
-              </a:solidFill>
-              <a:latin typeface="Calibri"/>
+              <a:latin typeface="Arial"/>
             </a:endParaRPr>
           </a:p>
           <a:p>
@@ -8060,14 +7816,11 @@
               <a:t>map() transformation applies changes on each line of the RDD and returns the transformed RDD as iterable of iterables i.e. each line is equivalent to a iterable and the entire RDD is itself a list</a:t>
             </a:r>
             <a:endParaRPr b="0" lang="en-US" sz="2800" spc="-1" strike="noStrike">
-              <a:solidFill>
-                <a:srgbClr val="000000"/>
-              </a:solidFill>
-              <a:latin typeface="Calibri"/>
-            </a:endParaRPr>
-          </a:p>
-          <a:p>
-            <a:pPr marL="343080" indent="-342720">
+              <a:latin typeface="Arial"/>
+            </a:endParaRPr>
+          </a:p>
+          <a:p>
+            <a:pPr marL="343080" indent="-342360">
               <a:lnSpc>
                 <a:spcPct val="100000"/>
               </a:lnSpc>
@@ -8093,10 +7846,7 @@
               <a:t>flatMap()</a:t>
             </a:r>
             <a:endParaRPr b="0" lang="en-US" sz="2800" spc="-1" strike="noStrike">
-              <a:solidFill>
-                <a:srgbClr val="000000"/>
-              </a:solidFill>
-              <a:latin typeface="Calibri"/>
+              <a:latin typeface="Arial"/>
             </a:endParaRPr>
           </a:p>
           <a:p>
@@ -8121,10 +7871,7 @@
               <a:t>This transformation apply changes to each line same as map but the return is not a iterable of iterables but it is only an iterable holding entire RDD contents.</a:t>
             </a:r>
             <a:endParaRPr b="0" lang="en-US" sz="2800" spc="-1" strike="noStrike">
-              <a:solidFill>
-                <a:srgbClr val="000000"/>
-              </a:solidFill>
-              <a:latin typeface="Calibri"/>
+              <a:latin typeface="Arial"/>
             </a:endParaRPr>
           </a:p>
         </p:txBody>
@@ -8161,14 +7908,14 @@
       </p:grpSpPr>
       <p:sp>
         <p:nvSpPr>
-          <p:cNvPr id="187" name="TextShape 1"/>
-          <p:cNvSpPr txBox="1"/>
+          <p:cNvPr id="181" name="CustomShape 1"/>
+          <p:cNvSpPr/>
           <p:nvPr/>
         </p:nvSpPr>
         <p:spPr>
           <a:xfrm>
             <a:off x="295560" y="1495800"/>
-            <a:ext cx="8390880" cy="5166000"/>
+            <a:ext cx="8390520" cy="5165640"/>
           </a:xfrm>
           <a:prstGeom prst="rect">
             <a:avLst/>
@@ -8178,12 +7925,18 @@
             <a:noFill/>
           </a:ln>
         </p:spPr>
-        <p:txBody>
-          <a:bodyPr>
+        <p:style>
+          <a:lnRef idx="0"/>
+          <a:fillRef idx="0"/>
+          <a:effectRef idx="0"/>
+          <a:fontRef idx="minor"/>
+        </p:style>
+        <p:txBody>
+          <a:bodyPr lIns="90000" rIns="90000" tIns="45000" bIns="45000">
             <a:normAutofit fontScale="61000"/>
           </a:bodyPr>
           <a:p>
-            <a:pPr marL="343080" indent="-342720">
+            <a:pPr marL="343080" indent="-342360">
               <a:lnSpc>
                 <a:spcPct val="100000"/>
               </a:lnSpc>
@@ -8206,10 +7959,7 @@
               <a:t>lines.take(2)</a:t>
             </a:r>
             <a:endParaRPr b="0" lang="en-US" sz="2800" spc="-1" strike="noStrike">
-              <a:solidFill>
-                <a:srgbClr val="000000"/>
-              </a:solidFill>
-              <a:latin typeface="Calibri"/>
+              <a:latin typeface="Arial"/>
             </a:endParaRPr>
           </a:p>
           <a:p>
@@ -8234,10 +7984,7 @@
               <a:t>[‘#good d#ay #’,</a:t>
             </a:r>
             <a:endParaRPr b="0" lang="en-US" sz="2800" spc="-1" strike="noStrike">
-              <a:solidFill>
-                <a:srgbClr val="000000"/>
-              </a:solidFill>
-              <a:latin typeface="Calibri"/>
+              <a:latin typeface="Arial"/>
             </a:endParaRPr>
           </a:p>
           <a:p>
@@ -8271,14 +8018,11 @@
               <a:t>#good #weather’]</a:t>
             </a:r>
             <a:endParaRPr b="0" lang="en-US" sz="2800" spc="-1" strike="noStrike">
-              <a:solidFill>
-                <a:srgbClr val="000000"/>
-              </a:solidFill>
-              <a:latin typeface="Calibri"/>
-            </a:endParaRPr>
-          </a:p>
-          <a:p>
-            <a:pPr marL="343080" indent="-342720">
+              <a:latin typeface="Arial"/>
+            </a:endParaRPr>
+          </a:p>
+          <a:p>
+            <a:pPr marL="343080" indent="-342360">
               <a:lnSpc>
                 <a:spcPct val="100000"/>
               </a:lnSpc>
@@ -8304,10 +8048,7 @@
               <a:t>words = lines.map(lambda lines: lines.split(' '))</a:t>
             </a:r>
             <a:endParaRPr b="0" lang="en-US" sz="2800" spc="-1" strike="noStrike">
-              <a:solidFill>
-                <a:srgbClr val="000000"/>
-              </a:solidFill>
-              <a:latin typeface="Calibri"/>
+              <a:latin typeface="Arial"/>
             </a:endParaRPr>
           </a:p>
           <a:p>
@@ -8332,10 +8073,7 @@
               <a:t>[[‘#good’, ‘d#ay’, ’#’],</a:t>
             </a:r>
             <a:endParaRPr b="0" lang="en-US" sz="2800" spc="-1" strike="noStrike">
-              <a:solidFill>
-                <a:srgbClr val="000000"/>
-              </a:solidFill>
-              <a:latin typeface="Calibri"/>
+              <a:latin typeface="Arial"/>
             </a:endParaRPr>
           </a:p>
           <a:p>
@@ -8369,14 +8107,11 @@
               <a:t>[‘#good’, ‘#weather’]]</a:t>
             </a:r>
             <a:endParaRPr b="0" lang="en-US" sz="2800" spc="-1" strike="noStrike">
-              <a:solidFill>
-                <a:srgbClr val="000000"/>
-              </a:solidFill>
-              <a:latin typeface="Calibri"/>
-            </a:endParaRPr>
-          </a:p>
-          <a:p>
-            <a:pPr marL="343080" indent="-342720">
+              <a:latin typeface="Arial"/>
+            </a:endParaRPr>
+          </a:p>
+          <a:p>
+            <a:pPr marL="343080" indent="-342360">
               <a:lnSpc>
                 <a:spcPct val="100000"/>
               </a:lnSpc>
@@ -8402,10 +8137,7 @@
               <a:t>words = lines. flatMap(lambda lines: lines.split(' '))</a:t>
             </a:r>
             <a:endParaRPr b="0" lang="en-US" sz="2800" spc="-1" strike="noStrike">
-              <a:solidFill>
-                <a:srgbClr val="000000"/>
-              </a:solidFill>
-              <a:latin typeface="Calibri"/>
+              <a:latin typeface="Arial"/>
             </a:endParaRPr>
           </a:p>
           <a:p>
@@ -8430,10 +8162,7 @@
               <a:t>[‘#good’, ‘d#ay’, ‘#’, ‘#good’, ‘#weather’]</a:t>
             </a:r>
             <a:endParaRPr b="0" lang="en-US" sz="2800" spc="-1" strike="noStrike">
-              <a:solidFill>
-                <a:srgbClr val="000000"/>
-              </a:solidFill>
-              <a:latin typeface="Calibri"/>
+              <a:latin typeface="Arial"/>
             </a:endParaRPr>
           </a:p>
           <a:p>
@@ -8449,10 +8178,7 @@
               </a:tabLst>
             </a:pPr>
             <a:endParaRPr b="0" lang="en-US" sz="2800" spc="-1" strike="noStrike">
-              <a:solidFill>
-                <a:srgbClr val="000000"/>
-              </a:solidFill>
-              <a:latin typeface="Calibri"/>
+              <a:latin typeface="Arial"/>
             </a:endParaRPr>
           </a:p>
           <a:p>
@@ -8477,10 +8203,7 @@
               <a:t>Instead of using an anonymous function (with the lambda keyword in Python), we can also use named function</a:t>
             </a:r>
             <a:endParaRPr b="0" lang="en-US" sz="2800" spc="-1" strike="noStrike">
-              <a:solidFill>
-                <a:srgbClr val="000000"/>
-              </a:solidFill>
-              <a:latin typeface="Calibri"/>
+              <a:latin typeface="Arial"/>
             </a:endParaRPr>
           </a:p>
           <a:p>
@@ -8505,24 +8228,21 @@
               <a:t>anonymous function is easier for simple use</a:t>
             </a:r>
             <a:endParaRPr b="0" lang="en-US" sz="2800" spc="-1" strike="noStrike">
-              <a:solidFill>
-                <a:srgbClr val="000000"/>
-              </a:solidFill>
-              <a:latin typeface="Calibri"/>
-            </a:endParaRPr>
-          </a:p>
-        </p:txBody>
-      </p:sp>
-      <p:sp>
-        <p:nvSpPr>
-          <p:cNvPr id="188" name="TextShape 2"/>
-          <p:cNvSpPr txBox="1"/>
+              <a:latin typeface="Arial"/>
+            </a:endParaRPr>
+          </a:p>
+        </p:txBody>
+      </p:sp>
+      <p:sp>
+        <p:nvSpPr>
+          <p:cNvPr id="182" name="CustomShape 2"/>
+          <p:cNvSpPr/>
           <p:nvPr/>
         </p:nvSpPr>
         <p:spPr>
           <a:xfrm>
             <a:off x="457200" y="-90720"/>
-            <a:ext cx="8229240" cy="1142640"/>
+            <a:ext cx="8228880" cy="1142280"/>
           </a:xfrm>
           <a:prstGeom prst="rect">
             <a:avLst/>
@@ -8532,9 +8252,15 @@
             <a:noFill/>
           </a:ln>
         </p:spPr>
-        <p:txBody>
-          <a:bodyPr anchor="ctr">
-            <a:normAutofit fontScale="38000"/>
+        <p:style>
+          <a:lnRef idx="0"/>
+          <a:fillRef idx="0"/>
+          <a:effectRef idx="0"/>
+          <a:fontRef idx="minor"/>
+        </p:style>
+        <p:txBody>
+          <a:bodyPr lIns="90000" rIns="90000" tIns="45000" bIns="45000" anchor="ctr">
+            <a:normAutofit fontScale="55000"/>
           </a:bodyPr>
           <a:p>
             <a:pPr>
@@ -8580,10 +8306,7 @@
               <a:t> examples</a:t>
             </a:r>
             <a:endParaRPr b="0" lang="en-US" sz="4400" spc="-1" strike="noStrike">
-              <a:solidFill>
-                <a:srgbClr val="000000"/>
-              </a:solidFill>
-              <a:latin typeface="Calibri"/>
+              <a:latin typeface="Arial"/>
             </a:endParaRPr>
           </a:p>
         </p:txBody>
@@ -8620,14 +8343,14 @@
       </p:grpSpPr>
       <p:sp>
         <p:nvSpPr>
-          <p:cNvPr id="189" name="TextShape 1"/>
-          <p:cNvSpPr txBox="1"/>
+          <p:cNvPr id="183" name="CustomShape 1"/>
+          <p:cNvSpPr/>
           <p:nvPr/>
         </p:nvSpPr>
         <p:spPr>
           <a:xfrm>
             <a:off x="457200" y="274680"/>
-            <a:ext cx="8229240" cy="1142640"/>
+            <a:ext cx="8228880" cy="1142280"/>
           </a:xfrm>
           <a:prstGeom prst="rect">
             <a:avLst/>
@@ -8637,8 +8360,14 @@
             <a:noFill/>
           </a:ln>
         </p:spPr>
-        <p:txBody>
-          <a:bodyPr anchor="ctr">
+        <p:style>
+          <a:lnRef idx="0"/>
+          <a:fillRef idx="0"/>
+          <a:effectRef idx="0"/>
+          <a:fontRef idx="minor"/>
+        </p:style>
+        <p:txBody>
+          <a:bodyPr lIns="90000" rIns="90000" tIns="45000" bIns="45000" anchor="ctr">
             <a:normAutofit/>
           </a:bodyPr>
           <a:p>
@@ -8657,24 +8386,21 @@
               <a:t>Filter() </a:t>
             </a:r>
             <a:endParaRPr b="0" lang="en-US" sz="4000" spc="-1" strike="noStrike">
-              <a:solidFill>
-                <a:srgbClr val="000000"/>
-              </a:solidFill>
-              <a:latin typeface="Calibri"/>
-            </a:endParaRPr>
-          </a:p>
-        </p:txBody>
-      </p:sp>
-      <p:sp>
-        <p:nvSpPr>
-          <p:cNvPr id="190" name="TextShape 2"/>
-          <p:cNvSpPr txBox="1"/>
+              <a:latin typeface="Arial"/>
+            </a:endParaRPr>
+          </a:p>
+        </p:txBody>
+      </p:sp>
+      <p:sp>
+        <p:nvSpPr>
+          <p:cNvPr id="184" name="CustomShape 2"/>
+          <p:cNvSpPr/>
           <p:nvPr/>
         </p:nvSpPr>
         <p:spPr>
           <a:xfrm>
             <a:off x="457200" y="1600200"/>
-            <a:ext cx="8229240" cy="4525560"/>
+            <a:ext cx="8228880" cy="4525200"/>
           </a:xfrm>
           <a:prstGeom prst="rect">
             <a:avLst/>
@@ -8684,12 +8410,18 @@
             <a:noFill/>
           </a:ln>
         </p:spPr>
-        <p:txBody>
-          <a:bodyPr>
+        <p:style>
+          <a:lnRef idx="0"/>
+          <a:fillRef idx="0"/>
+          <a:effectRef idx="0"/>
+          <a:fontRef idx="minor"/>
+        </p:style>
+        <p:txBody>
+          <a:bodyPr lIns="90000" rIns="90000" tIns="45000" bIns="45000">
             <a:normAutofit fontScale="73000"/>
           </a:bodyPr>
           <a:p>
-            <a:pPr marL="343080" indent="-342720">
+            <a:pPr marL="343080" indent="-342360">
               <a:lnSpc>
                 <a:spcPct val="100000"/>
               </a:lnSpc>
@@ -8721,14 +8453,11 @@
               <a:t>transformation is used to reduce the old RDD based on some condition.</a:t>
             </a:r>
             <a:endParaRPr b="0" lang="en-US" sz="2800" spc="-1" strike="noStrike">
-              <a:solidFill>
-                <a:srgbClr val="000000"/>
-              </a:solidFill>
-              <a:latin typeface="Calibri"/>
-            </a:endParaRPr>
-          </a:p>
-          <a:p>
-            <a:pPr marL="343080" indent="-342720">
+              <a:latin typeface="Arial"/>
+            </a:endParaRPr>
+          </a:p>
+          <a:p>
+            <a:pPr marL="343080" indent="-342360">
               <a:lnSpc>
                 <a:spcPct val="100000"/>
               </a:lnSpc>
@@ -8751,10 +8480,7 @@
               <a:t>How to filter out hashtags from words</a:t>
             </a:r>
             <a:endParaRPr b="0" lang="en-US" sz="2800" spc="-1" strike="noStrike">
-              <a:solidFill>
-                <a:srgbClr val="000000"/>
-              </a:solidFill>
-              <a:latin typeface="Calibri"/>
+              <a:latin typeface="Arial"/>
             </a:endParaRPr>
           </a:p>
           <a:p>
@@ -8788,10 +8514,7 @@
               <a:t>hashtags = words.filter(lambda word: "#" in word) </a:t>
             </a:r>
             <a:endParaRPr b="0" lang="en-US" sz="2800" spc="-1" strike="noStrike">
-              <a:solidFill>
-                <a:srgbClr val="000000"/>
-              </a:solidFill>
-              <a:latin typeface="Calibri"/>
+              <a:latin typeface="Arial"/>
             </a:endParaRPr>
           </a:p>
           <a:p>
@@ -8816,10 +8539,7 @@
               <a:t>[‘#good’, ‘d#ay’, ‘#’, ‘#good’, ‘#weather’]</a:t>
             </a:r>
             <a:endParaRPr b="0" lang="en-US" sz="2800" spc="-1" strike="noStrike">
-              <a:solidFill>
-                <a:srgbClr val="000000"/>
-              </a:solidFill>
-              <a:latin typeface="Calibri"/>
+              <a:latin typeface="Arial"/>
             </a:endParaRPr>
           </a:p>
           <a:p>
@@ -8853,10 +8573,7 @@
               <a:t>which is wrong.</a:t>
             </a:r>
             <a:endParaRPr b="0" lang="en-US" sz="2800" spc="-1" strike="noStrike">
-              <a:solidFill>
-                <a:srgbClr val="000000"/>
-              </a:solidFill>
-              <a:latin typeface="Calibri"/>
+              <a:latin typeface="Arial"/>
             </a:endParaRPr>
           </a:p>
           <a:p>
@@ -8899,10 +8616,7 @@
               <a:t>.filter(lambda word: word.startswith("#")).filter(lambda word: word != "#")</a:t>
             </a:r>
             <a:endParaRPr b="0" lang="en-US" sz="2800" spc="-1" strike="noStrike">
-              <a:solidFill>
-                <a:srgbClr val="000000"/>
-              </a:solidFill>
-              <a:latin typeface="Calibri"/>
+              <a:latin typeface="Arial"/>
             </a:endParaRPr>
           </a:p>
           <a:p>
@@ -8954,10 +8668,7 @@
               <a:t>in this hw.</a:t>
             </a:r>
             <a:endParaRPr b="0" lang="en-US" sz="2800" spc="-1" strike="noStrike">
-              <a:solidFill>
-                <a:srgbClr val="000000"/>
-              </a:solidFill>
-              <a:latin typeface="Calibri"/>
+              <a:latin typeface="Arial"/>
             </a:endParaRPr>
           </a:p>
           <a:p>
@@ -8982,10 +8693,7 @@
               <a:t>[‘#good’, ‘#good’, ‘#weather’]</a:t>
             </a:r>
             <a:endParaRPr b="0" lang="en-US" sz="2800" spc="-1" strike="noStrike">
-              <a:solidFill>
-                <a:srgbClr val="000000"/>
-              </a:solidFill>
-              <a:latin typeface="Calibri"/>
+              <a:latin typeface="Arial"/>
             </a:endParaRPr>
           </a:p>
           <a:p>
@@ -9001,10 +8709,7 @@
               </a:tabLst>
             </a:pPr>
             <a:endParaRPr b="0" lang="en-US" sz="2800" spc="-1" strike="noStrike">
-              <a:solidFill>
-                <a:srgbClr val="000000"/>
-              </a:solidFill>
-              <a:latin typeface="Calibri"/>
+              <a:latin typeface="Arial"/>
             </a:endParaRPr>
           </a:p>
           <a:p>
@@ -9020,10 +8725,7 @@
               </a:tabLst>
             </a:pPr>
             <a:endParaRPr b="0" lang="en-US" sz="2800" spc="-1" strike="noStrike">
-              <a:solidFill>
-                <a:srgbClr val="000000"/>
-              </a:solidFill>
-              <a:latin typeface="Calibri"/>
+              <a:latin typeface="Arial"/>
             </a:endParaRPr>
           </a:p>
           <a:p>
@@ -9039,10 +8741,7 @@
               </a:tabLst>
             </a:pPr>
             <a:endParaRPr b="0" lang="en-US" sz="2800" spc="-1" strike="noStrike">
-              <a:solidFill>
-                <a:srgbClr val="000000"/>
-              </a:solidFill>
-              <a:latin typeface="Calibri"/>
+              <a:latin typeface="Arial"/>
             </a:endParaRPr>
           </a:p>
         </p:txBody>
@@ -9091,7 +8790,7 @@
                                           </p:stCondLst>
                                         </p:cTn>
                                         <p:tgtEl>
-                                          <p:spTgt spid="190">
+                                          <p:spTgt spid="184">
                                             <p:txEl>
                                               <p:pRg st="3" end="3"/>
                                             </p:txEl>
@@ -9122,7 +8821,7 @@
                                           </p:stCondLst>
                                         </p:cTn>
                                         <p:tgtEl>
-                                          <p:spTgt spid="190">
+                                          <p:spTgt spid="184">
                                             <p:txEl>
                                               <p:pRg st="4" end="4"/>
                                             </p:txEl>
@@ -9171,7 +8870,7 @@
                                           </p:stCondLst>
                                         </p:cTn>
                                         <p:tgtEl>
-                                          <p:spTgt spid="190">
+                                          <p:spTgt spid="184">
                                             <p:txEl>
                                               <p:pRg st="5" end="5"/>
                                             </p:txEl>
@@ -9202,7 +8901,7 @@
                                           </p:stCondLst>
                                         </p:cTn>
                                         <p:tgtEl>
-                                          <p:spTgt spid="190">
+                                          <p:spTgt spid="184">
                                             <p:txEl>
                                               <p:pRg st="6" end="6"/>
                                             </p:txEl>
@@ -9233,7 +8932,7 @@
                                           </p:stCondLst>
                                         </p:cTn>
                                         <p:tgtEl>
-                                          <p:spTgt spid="190">
+                                          <p:spTgt spid="184">
                                             <p:txEl>
                                               <p:pRg st="7" end="7"/>
                                             </p:txEl>
@@ -9300,14 +8999,14 @@
       </p:grpSpPr>
       <p:sp>
         <p:nvSpPr>
-          <p:cNvPr id="191" name="TextShape 1"/>
-          <p:cNvSpPr txBox="1"/>
+          <p:cNvPr id="185" name="CustomShape 1"/>
+          <p:cNvSpPr/>
           <p:nvPr/>
         </p:nvSpPr>
         <p:spPr>
           <a:xfrm>
             <a:off x="457200" y="274680"/>
-            <a:ext cx="8229240" cy="1142640"/>
+            <a:ext cx="8228880" cy="1142280"/>
           </a:xfrm>
           <a:prstGeom prst="rect">
             <a:avLst/>
@@ -9317,8 +9016,14 @@
             <a:noFill/>
           </a:ln>
         </p:spPr>
-        <p:txBody>
-          <a:bodyPr anchor="ctr">
+        <p:style>
+          <a:lnRef idx="0"/>
+          <a:fillRef idx="0"/>
+          <a:effectRef idx="0"/>
+          <a:fontRef idx="minor"/>
+        </p:style>
+        <p:txBody>
+          <a:bodyPr lIns="90000" rIns="90000" tIns="45000" bIns="45000" anchor="ctr">
             <a:normAutofit/>
           </a:bodyPr>
           <a:p>
@@ -9337,24 +9042,21 @@
               <a:t>reduceByKey() </a:t>
             </a:r>
             <a:endParaRPr b="0" lang="en-US" sz="4000" spc="-1" strike="noStrike">
-              <a:solidFill>
-                <a:srgbClr val="000000"/>
-              </a:solidFill>
-              <a:latin typeface="Calibri"/>
-            </a:endParaRPr>
-          </a:p>
-        </p:txBody>
-      </p:sp>
-      <p:sp>
-        <p:nvSpPr>
-          <p:cNvPr id="192" name="TextShape 2"/>
-          <p:cNvSpPr txBox="1"/>
+              <a:latin typeface="Arial"/>
+            </a:endParaRPr>
+          </a:p>
+        </p:txBody>
+      </p:sp>
+      <p:sp>
+        <p:nvSpPr>
+          <p:cNvPr id="186" name="CustomShape 2"/>
+          <p:cNvSpPr/>
           <p:nvPr/>
         </p:nvSpPr>
         <p:spPr>
           <a:xfrm>
             <a:off x="457200" y="1600200"/>
-            <a:ext cx="8229240" cy="4525560"/>
+            <a:ext cx="8228880" cy="4525200"/>
           </a:xfrm>
           <a:prstGeom prst="rect">
             <a:avLst/>
@@ -9364,12 +9066,18 @@
             <a:noFill/>
           </a:ln>
         </p:spPr>
-        <p:txBody>
-          <a:bodyPr>
+        <p:style>
+          <a:lnRef idx="0"/>
+          <a:fillRef idx="0"/>
+          <a:effectRef idx="0"/>
+          <a:fontRef idx="minor"/>
+        </p:style>
+        <p:txBody>
+          <a:bodyPr lIns="90000" rIns="90000" tIns="45000" bIns="45000">
             <a:noAutofit/>
           </a:bodyPr>
           <a:p>
-            <a:pPr marL="343080" indent="-342720">
+            <a:pPr marL="343080" indent="-342360">
               <a:lnSpc>
                 <a:spcPct val="100000"/>
               </a:lnSpc>
@@ -9392,10 +9100,7 @@
               <a:t>reduceByKey(f) combines tuples with the same key using the function we specify f. </a:t>
             </a:r>
             <a:endParaRPr b="0" lang="en-US" sz="2800" spc="-1" strike="noStrike">
-              <a:solidFill>
-                <a:srgbClr val="000000"/>
-              </a:solidFill>
-              <a:latin typeface="Calibri"/>
+              <a:latin typeface="Arial"/>
             </a:endParaRPr>
           </a:p>
           <a:p>
@@ -9420,10 +9125,7 @@
               <a:t>hashtagsNum = hashtags.map(lambda word: (word, 1))</a:t>
             </a:r>
             <a:endParaRPr b="0" lang="en-US" sz="2800" spc="-1" strike="noStrike">
-              <a:solidFill>
-                <a:srgbClr val="000000"/>
-              </a:solidFill>
-              <a:latin typeface="Calibri"/>
+              <a:latin typeface="Arial"/>
             </a:endParaRPr>
           </a:p>
           <a:p>
@@ -9448,10 +9150,7 @@
               <a:t>[(‘#good’,1), (‘#good’, 1), (‘#weather’, 1)]</a:t>
             </a:r>
             <a:endParaRPr b="0" lang="en-US" sz="2800" spc="-1" strike="noStrike">
-              <a:solidFill>
-                <a:srgbClr val="000000"/>
-              </a:solidFill>
-              <a:latin typeface="Calibri"/>
+              <a:latin typeface="Arial"/>
             </a:endParaRPr>
           </a:p>
           <a:p>
@@ -9476,10 +9175,7 @@
               <a:t>hashtagsCount = hashtagsNum.reduceByKey(lambda a,b: a+b)</a:t>
             </a:r>
             <a:endParaRPr b="0" lang="en-US" sz="2800" spc="-1" strike="noStrike">
-              <a:solidFill>
-                <a:srgbClr val="000000"/>
-              </a:solidFill>
-              <a:latin typeface="Calibri"/>
+              <a:latin typeface="Arial"/>
             </a:endParaRPr>
           </a:p>
           <a:p>
@@ -9504,10 +9200,7 @@
               <a:t>or hashtagsCount = hashtagsNum.reduceByKey(add)</a:t>
             </a:r>
             <a:endParaRPr b="0" lang="en-US" sz="2800" spc="-1" strike="noStrike">
-              <a:solidFill>
-                <a:srgbClr val="000000"/>
-              </a:solidFill>
-              <a:latin typeface="Calibri"/>
+              <a:latin typeface="Arial"/>
             </a:endParaRPr>
           </a:p>
           <a:p>
@@ -9532,10 +9225,7 @@
               <a:t>[(‘#good’,2), (‘#weather’, 1)]</a:t>
             </a:r>
             <a:endParaRPr b="0" lang="en-US" sz="2800" spc="-1" strike="noStrike">
-              <a:solidFill>
-                <a:srgbClr val="000000"/>
-              </a:solidFill>
-              <a:latin typeface="Calibri"/>
+              <a:latin typeface="Arial"/>
             </a:endParaRPr>
           </a:p>
           <a:p>
@@ -9551,10 +9241,7 @@
               </a:tabLst>
             </a:pPr>
             <a:endParaRPr b="0" lang="en-US" sz="2800" spc="-1" strike="noStrike">
-              <a:solidFill>
-                <a:srgbClr val="000000"/>
-              </a:solidFill>
-              <a:latin typeface="Calibri"/>
+              <a:latin typeface="Arial"/>
             </a:endParaRPr>
           </a:p>
         </p:txBody>
@@ -9591,14 +9278,14 @@
       </p:grpSpPr>
       <p:sp>
         <p:nvSpPr>
-          <p:cNvPr id="193" name="TextShape 1"/>
-          <p:cNvSpPr txBox="1"/>
+          <p:cNvPr id="187" name="CustomShape 1"/>
+          <p:cNvSpPr/>
           <p:nvPr/>
         </p:nvSpPr>
         <p:spPr>
           <a:xfrm>
             <a:off x="457200" y="274680"/>
-            <a:ext cx="8229240" cy="1142640"/>
+            <a:ext cx="8228880" cy="1142280"/>
           </a:xfrm>
           <a:prstGeom prst="rect">
             <a:avLst/>
@@ -9608,8 +9295,14 @@
             <a:noFill/>
           </a:ln>
         </p:spPr>
-        <p:txBody>
-          <a:bodyPr anchor="ctr">
+        <p:style>
+          <a:lnRef idx="0"/>
+          <a:fillRef idx="0"/>
+          <a:effectRef idx="0"/>
+          <a:fontRef idx="minor"/>
+        </p:style>
+        <p:txBody>
+          <a:bodyPr lIns="90000" rIns="90000" tIns="45000" bIns="45000" anchor="ctr">
             <a:normAutofit/>
           </a:bodyPr>
           <a:p>
@@ -9628,24 +9321,21 @@
               <a:t>RDD Partitions</a:t>
             </a:r>
             <a:endParaRPr b="0" lang="en-US" sz="4000" spc="-1" strike="noStrike">
-              <a:solidFill>
-                <a:srgbClr val="000000"/>
-              </a:solidFill>
-              <a:latin typeface="Calibri"/>
-            </a:endParaRPr>
-          </a:p>
-        </p:txBody>
-      </p:sp>
-      <p:sp>
-        <p:nvSpPr>
-          <p:cNvPr id="194" name="TextShape 2"/>
-          <p:cNvSpPr txBox="1"/>
+              <a:latin typeface="Arial"/>
+            </a:endParaRPr>
+          </a:p>
+        </p:txBody>
+      </p:sp>
+      <p:sp>
+        <p:nvSpPr>
+          <p:cNvPr id="188" name="CustomShape 2"/>
+          <p:cNvSpPr/>
           <p:nvPr/>
         </p:nvSpPr>
         <p:spPr>
           <a:xfrm>
             <a:off x="457200" y="1600200"/>
-            <a:ext cx="8229240" cy="4525560"/>
+            <a:ext cx="8228880" cy="4525200"/>
           </a:xfrm>
           <a:prstGeom prst="rect">
             <a:avLst/>
@@ -9655,12 +9345,18 @@
             <a:noFill/>
           </a:ln>
         </p:spPr>
-        <p:txBody>
-          <a:bodyPr>
+        <p:style>
+          <a:lnRef idx="0"/>
+          <a:fillRef idx="0"/>
+          <a:effectRef idx="0"/>
+          <a:fontRef idx="minor"/>
+        </p:style>
+        <p:txBody>
+          <a:bodyPr lIns="90000" rIns="90000" tIns="45000" bIns="45000">
             <a:normAutofit fontScale="87000"/>
           </a:bodyPr>
           <a:p>
-            <a:pPr marL="343080" indent="-342720">
+            <a:pPr marL="343080" indent="-342360">
               <a:lnSpc>
                 <a:spcPct val="100000"/>
               </a:lnSpc>
@@ -9683,14 +9379,11 @@
               <a:t>Map and Reduce operations can be effectively applied in parallel in apache spark by dividing the data into multiple partitions. </a:t>
             </a:r>
             <a:endParaRPr b="0" lang="en-US" sz="3200" spc="-1" strike="noStrike">
-              <a:solidFill>
-                <a:srgbClr val="000000"/>
-              </a:solidFill>
-              <a:latin typeface="Calibri"/>
-            </a:endParaRPr>
-          </a:p>
-          <a:p>
-            <a:pPr marL="343080" indent="-342720">
+              <a:latin typeface="Arial"/>
+            </a:endParaRPr>
+          </a:p>
+          <a:p>
+            <a:pPr marL="343080" indent="-342360">
               <a:lnSpc>
                 <a:spcPct val="100000"/>
               </a:lnSpc>
@@ -9713,10 +9406,7 @@
               <a:t>A copy of each partition within an RDD is distributed across several workers running on different nodes of a cluster so that in case of failure of a single worker the RDD still remains available.</a:t>
             </a:r>
             <a:endParaRPr b="0" lang="en-US" sz="3200" spc="-1" strike="noStrike">
-              <a:solidFill>
-                <a:srgbClr val="000000"/>
-              </a:solidFill>
-              <a:latin typeface="Calibri"/>
+              <a:latin typeface="Arial"/>
             </a:endParaRPr>
           </a:p>
         </p:txBody>
@@ -9753,14 +9443,14 @@
       </p:grpSpPr>
       <p:sp>
         <p:nvSpPr>
-          <p:cNvPr id="195" name="TextShape 1"/>
-          <p:cNvSpPr txBox="1"/>
+          <p:cNvPr id="189" name="CustomShape 1"/>
+          <p:cNvSpPr/>
           <p:nvPr/>
         </p:nvSpPr>
         <p:spPr>
           <a:xfrm>
             <a:off x="457200" y="274680"/>
-            <a:ext cx="8229240" cy="1142640"/>
+            <a:ext cx="8228880" cy="1142280"/>
           </a:xfrm>
           <a:prstGeom prst="rect">
             <a:avLst/>
@@ -9770,8 +9460,14 @@
             <a:noFill/>
           </a:ln>
         </p:spPr>
-        <p:txBody>
-          <a:bodyPr anchor="ctr">
+        <p:style>
+          <a:lnRef idx="0"/>
+          <a:fillRef idx="0"/>
+          <a:effectRef idx="0"/>
+          <a:fontRef idx="minor"/>
+        </p:style>
+        <p:txBody>
+          <a:bodyPr lIns="90000" rIns="90000" tIns="45000" bIns="45000" anchor="ctr">
             <a:normAutofit/>
           </a:bodyPr>
           <a:p>
@@ -9790,24 +9486,21 @@
               <a:t>mapPartitions() </a:t>
             </a:r>
             <a:endParaRPr b="0" lang="en-US" sz="4000" spc="-1" strike="noStrike">
-              <a:solidFill>
-                <a:srgbClr val="000000"/>
-              </a:solidFill>
-              <a:latin typeface="Calibri"/>
-            </a:endParaRPr>
-          </a:p>
-        </p:txBody>
-      </p:sp>
-      <p:sp>
-        <p:nvSpPr>
-          <p:cNvPr id="196" name="TextShape 2"/>
-          <p:cNvSpPr txBox="1"/>
+              <a:latin typeface="Arial"/>
+            </a:endParaRPr>
+          </a:p>
+        </p:txBody>
+      </p:sp>
+      <p:sp>
+        <p:nvSpPr>
+          <p:cNvPr id="190" name="CustomShape 2"/>
+          <p:cNvSpPr/>
           <p:nvPr/>
         </p:nvSpPr>
         <p:spPr>
           <a:xfrm>
             <a:off x="457200" y="1600200"/>
-            <a:ext cx="8229240" cy="4525560"/>
+            <a:ext cx="8228880" cy="4525200"/>
           </a:xfrm>
           <a:prstGeom prst="rect">
             <a:avLst/>
@@ -9817,12 +9510,18 @@
             <a:noFill/>
           </a:ln>
         </p:spPr>
-        <p:txBody>
-          <a:bodyPr>
+        <p:style>
+          <a:lnRef idx="0"/>
+          <a:fillRef idx="0"/>
+          <a:effectRef idx="0"/>
+          <a:fontRef idx="minor"/>
+        </p:style>
+        <p:txBody>
+          <a:bodyPr lIns="90000" rIns="90000" tIns="45000" bIns="45000">
             <a:noAutofit/>
           </a:bodyPr>
           <a:p>
-            <a:pPr marL="343080" indent="-342720">
+            <a:pPr marL="343080" indent="-342360">
               <a:lnSpc>
                 <a:spcPct val="100000"/>
               </a:lnSpc>
@@ -9845,10 +9544,7 @@
               <a:t>mapPartitions(func) transformation is similar to map(), but runs separately on each partition (block) of the RDD, so func must be of type Iterator&lt;T&gt; =&gt; Iterator&lt;U&gt; when running on an RDD of type T.</a:t>
             </a:r>
             <a:endParaRPr b="0" lang="en-US" sz="3200" spc="-1" strike="noStrike">
-              <a:solidFill>
-                <a:srgbClr val="000000"/>
-              </a:solidFill>
-              <a:latin typeface="Calibri"/>
+              <a:latin typeface="Arial"/>
             </a:endParaRPr>
           </a:p>
         </p:txBody>
@@ -9885,14 +9581,14 @@
       </p:grpSpPr>
       <p:sp>
         <p:nvSpPr>
-          <p:cNvPr id="197" name="TextShape 1"/>
-          <p:cNvSpPr txBox="1"/>
+          <p:cNvPr id="191" name="CustomShape 1"/>
+          <p:cNvSpPr/>
           <p:nvPr/>
         </p:nvSpPr>
         <p:spPr>
           <a:xfrm>
             <a:off x="457200" y="274680"/>
-            <a:ext cx="8229240" cy="1142640"/>
+            <a:ext cx="8228880" cy="1142280"/>
           </a:xfrm>
           <a:prstGeom prst="rect">
             <a:avLst/>
@@ -9902,9 +9598,15 @@
             <a:noFill/>
           </a:ln>
         </p:spPr>
-        <p:txBody>
-          <a:bodyPr anchor="ctr">
-            <a:normAutofit fontScale="82000"/>
+        <p:style>
+          <a:lnRef idx="0"/>
+          <a:fillRef idx="0"/>
+          <a:effectRef idx="0"/>
+          <a:fontRef idx="minor"/>
+        </p:style>
+        <p:txBody>
+          <a:bodyPr lIns="90000" rIns="90000" tIns="45000" bIns="45000" anchor="ctr">
+            <a:normAutofit fontScale="83000"/>
           </a:bodyPr>
           <a:p>
             <a:pPr>
@@ -9922,17 +9624,14 @@
               <a:t>Example-1: Sum Each Partition</a:t>
             </a:r>
             <a:endParaRPr b="0" lang="en-US" sz="4000" spc="-1" strike="noStrike">
-              <a:solidFill>
-                <a:srgbClr val="000000"/>
-              </a:solidFill>
-              <a:latin typeface="Calibri"/>
+              <a:latin typeface="Arial"/>
             </a:endParaRPr>
           </a:p>
         </p:txBody>
       </p:sp>
       <p:pic>
         <p:nvPicPr>
-          <p:cNvPr id="198" name="图片 6_1" descr="Screen Shot 2017-04-04 at 02.39.22.png"/>
+          <p:cNvPr id="192" name="图片 6_1" descr="Screen Shot 2017-04-04 at 02.39.22.png"/>
           <p:cNvPicPr/>
           <p:nvPr/>
         </p:nvPicPr>
@@ -9943,7 +9642,7 @@
         <p:spPr>
           <a:xfrm>
             <a:off x="457200" y="1384200"/>
-            <a:ext cx="5039640" cy="5338080"/>
+            <a:ext cx="5039280" cy="5337720"/>
           </a:xfrm>
           <a:prstGeom prst="rect">
             <a:avLst/>
@@ -9985,14 +9684,14 @@
       </p:grpSpPr>
       <p:sp>
         <p:nvSpPr>
-          <p:cNvPr id="199" name="TextShape 1"/>
-          <p:cNvSpPr txBox="1"/>
+          <p:cNvPr id="193" name="CustomShape 1"/>
+          <p:cNvSpPr/>
           <p:nvPr/>
         </p:nvSpPr>
         <p:spPr>
           <a:xfrm>
             <a:off x="457200" y="274680"/>
-            <a:ext cx="8229240" cy="1142640"/>
+            <a:ext cx="8228880" cy="1142280"/>
           </a:xfrm>
           <a:prstGeom prst="rect">
             <a:avLst/>
@@ -10002,8 +9701,14 @@
             <a:noFill/>
           </a:ln>
         </p:spPr>
-        <p:txBody>
-          <a:bodyPr anchor="ctr">
+        <p:style>
+          <a:lnRef idx="0"/>
+          <a:fillRef idx="0"/>
+          <a:effectRef idx="0"/>
+          <a:fontRef idx="minor"/>
+        </p:style>
+        <p:txBody>
+          <a:bodyPr lIns="90000" rIns="90000" tIns="45000" bIns="45000" anchor="ctr">
             <a:normAutofit fontScale="70000"/>
           </a:bodyPr>
           <a:p>
@@ -10022,17 +9727,14 @@
               <a:t>Example-2: Find Minimum and Maximum</a:t>
             </a:r>
             <a:endParaRPr b="0" lang="en-US" sz="4400" spc="-1" strike="noStrike">
-              <a:solidFill>
-                <a:srgbClr val="000000"/>
-              </a:solidFill>
-              <a:latin typeface="Calibri"/>
+              <a:latin typeface="Arial"/>
             </a:endParaRPr>
           </a:p>
         </p:txBody>
       </p:sp>
       <p:pic>
         <p:nvPicPr>
-          <p:cNvPr id="200" name="图片 3_0" descr="Screen Shot 2017-04-04 at 02.45.28.png"/>
+          <p:cNvPr id="194" name="图片 3_0" descr="Screen Shot 2017-04-04 at 02.45.28.png"/>
           <p:cNvPicPr/>
           <p:nvPr/>
         </p:nvPicPr>
@@ -10043,7 +9745,7 @@
         <p:spPr>
           <a:xfrm>
             <a:off x="457200" y="1577160"/>
-            <a:ext cx="6439320" cy="5119560"/>
+            <a:ext cx="6438960" cy="5119200"/>
           </a:xfrm>
           <a:prstGeom prst="rect">
             <a:avLst/>
@@ -10085,14 +9787,14 @@
       </p:grpSpPr>
       <p:sp>
         <p:nvSpPr>
-          <p:cNvPr id="201" name="TextShape 1"/>
-          <p:cNvSpPr txBox="1"/>
+          <p:cNvPr id="195" name="CustomShape 1"/>
+          <p:cNvSpPr/>
           <p:nvPr/>
         </p:nvSpPr>
         <p:spPr>
           <a:xfrm>
             <a:off x="457200" y="274680"/>
-            <a:ext cx="8229240" cy="1142640"/>
+            <a:ext cx="8228880" cy="1142280"/>
           </a:xfrm>
           <a:prstGeom prst="rect">
             <a:avLst/>
@@ -10102,23 +9804,16 @@
             <a:noFill/>
           </a:ln>
         </p:spPr>
-        <p:txBody>
-          <a:bodyPr anchor="ctr">
-            <a:noAutofit/>
-          </a:bodyPr>
-          <a:p>
-            <a:endParaRPr b="0" lang="en-US" sz="1800" spc="-1" strike="noStrike">
-              <a:solidFill>
-                <a:srgbClr val="000000"/>
-              </a:solidFill>
-              <a:latin typeface="Calibri"/>
-            </a:endParaRPr>
-          </a:p>
-        </p:txBody>
+        <p:style>
+          <a:lnRef idx="0"/>
+          <a:fillRef idx="0"/>
+          <a:effectRef idx="0"/>
+          <a:fontRef idx="minor"/>
+        </p:style>
       </p:sp>
       <p:pic>
         <p:nvPicPr>
-          <p:cNvPr id="202" name="图片 4_1" descr="Screen Shot 2017-04-04 at 02.49.36.png"/>
+          <p:cNvPr id="196" name="图片 4_1" descr="Screen Shot 2017-04-04 at 02.49.36.png"/>
           <p:cNvPicPr/>
           <p:nvPr/>
         </p:nvPicPr>
@@ -10129,7 +9824,7 @@
         <p:spPr>
           <a:xfrm>
             <a:off x="457200" y="274680"/>
-            <a:ext cx="6335280" cy="6335280"/>
+            <a:ext cx="6334920" cy="6334920"/>
           </a:xfrm>
           <a:prstGeom prst="rect">
             <a:avLst/>
@@ -10171,14 +9866,14 @@
       </p:grpSpPr>
       <p:sp>
         <p:nvSpPr>
-          <p:cNvPr id="203" name="TextShape 1"/>
-          <p:cNvSpPr txBox="1"/>
+          <p:cNvPr id="197" name="CustomShape 1"/>
+          <p:cNvSpPr/>
           <p:nvPr/>
         </p:nvSpPr>
         <p:spPr>
           <a:xfrm>
             <a:off x="457200" y="274680"/>
-            <a:ext cx="8229240" cy="1142640"/>
+            <a:ext cx="8228880" cy="1142280"/>
           </a:xfrm>
           <a:prstGeom prst="rect">
             <a:avLst/>
@@ -10188,8 +9883,14 @@
             <a:noFill/>
           </a:ln>
         </p:spPr>
-        <p:txBody>
-          <a:bodyPr anchor="ctr">
+        <p:style>
+          <a:lnRef idx="0"/>
+          <a:fillRef idx="0"/>
+          <a:effectRef idx="0"/>
+          <a:fontRef idx="minor"/>
+        </p:style>
+        <p:txBody>
+          <a:bodyPr lIns="90000" rIns="90000" tIns="45000" bIns="45000" anchor="ctr">
             <a:normAutofit/>
           </a:bodyPr>
           <a:p>
@@ -10208,24 +9909,21 @@
               <a:t>optional reading</a:t>
             </a:r>
             <a:endParaRPr b="0" lang="en-US" sz="4000" spc="-1" strike="noStrike">
-              <a:solidFill>
-                <a:srgbClr val="000000"/>
-              </a:solidFill>
-              <a:latin typeface="Calibri"/>
-            </a:endParaRPr>
-          </a:p>
-        </p:txBody>
-      </p:sp>
-      <p:sp>
-        <p:nvSpPr>
-          <p:cNvPr id="204" name="TextShape 2"/>
-          <p:cNvSpPr txBox="1"/>
+              <a:latin typeface="Arial"/>
+            </a:endParaRPr>
+          </a:p>
+        </p:txBody>
+      </p:sp>
+      <p:sp>
+        <p:nvSpPr>
+          <p:cNvPr id="198" name="CustomShape 2"/>
+          <p:cNvSpPr/>
           <p:nvPr/>
         </p:nvSpPr>
         <p:spPr>
           <a:xfrm>
             <a:off x="457200" y="1600200"/>
-            <a:ext cx="8229240" cy="1756800"/>
+            <a:ext cx="8228880" cy="1756440"/>
           </a:xfrm>
           <a:prstGeom prst="rect">
             <a:avLst/>
@@ -10235,12 +9933,18 @@
             <a:noFill/>
           </a:ln>
         </p:spPr>
-        <p:txBody>
-          <a:bodyPr>
+        <p:style>
+          <a:lnRef idx="0"/>
+          <a:fillRef idx="0"/>
+          <a:effectRef idx="0"/>
+          <a:fontRef idx="minor"/>
+        </p:style>
+        <p:txBody>
+          <a:bodyPr lIns="90000" rIns="90000" tIns="45000" bIns="45000">
             <a:noAutofit/>
           </a:bodyPr>
           <a:p>
-            <a:pPr marL="343080" indent="-342720">
+            <a:pPr marL="343080" indent="-342360">
               <a:lnSpc>
                 <a:spcPct val="100000"/>
               </a:lnSpc>
@@ -10265,24 +9969,21 @@
               <a:t>Resilient Distributed Datasets: A Fault-Tolerant Abstraction for In-Memory Cluster Computing</a:t>
             </a:r>
             <a:endParaRPr b="0" lang="en-US" sz="3200" spc="-1" strike="noStrike">
-              <a:solidFill>
-                <a:srgbClr val="000000"/>
-              </a:solidFill>
-              <a:latin typeface="Calibri"/>
-            </a:endParaRPr>
-          </a:p>
-        </p:txBody>
-      </p:sp>
-      <p:sp>
-        <p:nvSpPr>
-          <p:cNvPr id="205" name="CustomShape 3"/>
+              <a:latin typeface="Arial"/>
+            </a:endParaRPr>
+          </a:p>
+        </p:txBody>
+      </p:sp>
+      <p:sp>
+        <p:nvSpPr>
+          <p:cNvPr id="199" name="CustomShape 3"/>
           <p:cNvSpPr/>
           <p:nvPr/>
         </p:nvSpPr>
         <p:spPr>
           <a:xfrm>
             <a:off x="457200" y="2966760"/>
-            <a:ext cx="8229240" cy="1142640"/>
+            <a:ext cx="8228880" cy="1142280"/>
           </a:xfrm>
           <a:prstGeom prst="rect">
             <a:avLst/>
@@ -10299,7 +10000,7 @@
           <a:fontRef idx="minor"/>
         </p:style>
         <p:txBody>
-          <a:bodyPr anchor="ctr">
+          <a:bodyPr lIns="90000" rIns="90000" tIns="45000" bIns="45000" anchor="ctr">
             <a:normAutofit/>
           </a:bodyPr>
           <a:p>
@@ -10314,6 +10015,7 @@
                   <a:srgbClr val="000000"/>
                 </a:solidFill>
                 <a:latin typeface="Calibri"/>
+                <a:ea typeface="DejaVu Sans"/>
               </a:rPr>
               <a:t>Reference</a:t>
             </a:r>
@@ -10325,14 +10027,14 @@
       </p:sp>
       <p:sp>
         <p:nvSpPr>
-          <p:cNvPr id="206" name="CustomShape 4"/>
+          <p:cNvPr id="200" name="CustomShape 4"/>
           <p:cNvSpPr/>
           <p:nvPr/>
         </p:nvSpPr>
         <p:spPr>
           <a:xfrm>
             <a:off x="457200" y="4266360"/>
-            <a:ext cx="8229240" cy="1756800"/>
+            <a:ext cx="8228880" cy="1756440"/>
           </a:xfrm>
           <a:prstGeom prst="rect">
             <a:avLst/>
@@ -10349,11 +10051,11 @@
           <a:fontRef idx="minor"/>
         </p:style>
         <p:txBody>
-          <a:bodyPr>
+          <a:bodyPr lIns="90000" rIns="90000" tIns="45000" bIns="45000">
             <a:normAutofit fontScale="52000"/>
           </a:bodyPr>
           <a:p>
-            <a:pPr marL="343080" indent="-342720">
+            <a:pPr marL="343080" indent="-342360">
               <a:lnSpc>
                 <a:spcPct val="100000"/>
               </a:lnSpc>
@@ -10373,6 +10075,7 @@
                 </a:solidFill>
                 <a:uFillTx/>
                 <a:latin typeface="Calibri"/>
+                <a:ea typeface="DejaVu Sans"/>
                 <a:hlinkClick r:id="rId2"/>
               </a:rPr>
               <a:t>https://www.dezyre.com/apache-spark-tutorial/pyspark-tutorial</a:t>
@@ -10382,7 +10085,7 @@
             </a:endParaRPr>
           </a:p>
           <a:p>
-            <a:pPr marL="343080" indent="-342720">
+            <a:pPr marL="343080" indent="-342360">
               <a:lnSpc>
                 <a:spcPct val="100000"/>
               </a:lnSpc>
@@ -10402,6 +10105,7 @@
                 </a:solidFill>
                 <a:uFillTx/>
                 <a:latin typeface="Calibri"/>
+                <a:ea typeface="DejaVu Sans"/>
                 <a:hlinkClick r:id="rId3"/>
               </a:rPr>
               <a:t>http://www.kdnuggets.com/2015/11/introduction-spark-python.html</a:t>
@@ -10411,7 +10115,7 @@
             </a:endParaRPr>
           </a:p>
           <a:p>
-            <a:pPr marL="343080" indent="-342720">
+            <a:pPr marL="343080" indent="-342360">
               <a:lnSpc>
                 <a:spcPct val="100000"/>
               </a:lnSpc>
@@ -10430,6 +10134,7 @@
                   <a:srgbClr val="000000"/>
                 </a:solidFill>
                 <a:latin typeface="Calibri"/>
+                <a:ea typeface="DejaVu Sans"/>
               </a:rPr>
               <a:t>https://github.com/mahmoudparsian/pyspark-tutorial/blob/master/tutorial/map-partitions/README.md</a:t>
             </a:r>
@@ -10484,7 +10189,7 @@
       </p:grpSpPr>
       <p:pic>
         <p:nvPicPr>
-          <p:cNvPr id="168" name="Image 3" descr=""/>
+          <p:cNvPr id="162" name="Image 3" descr=""/>
           <p:cNvPicPr/>
           <p:nvPr/>
         </p:nvPicPr>
@@ -10495,7 +10200,7 @@
         <p:spPr>
           <a:xfrm>
             <a:off x="0" y="2207160"/>
-            <a:ext cx="5111280" cy="4649400"/>
+            <a:ext cx="5110920" cy="4649040"/>
           </a:xfrm>
           <a:prstGeom prst="rect">
             <a:avLst/>
@@ -10507,7 +10212,7 @@
       </p:pic>
       <p:sp>
         <p:nvSpPr>
-          <p:cNvPr id="169" name="CustomShape 1"/>
+          <p:cNvPr id="163" name="CustomShape 1"/>
           <p:cNvSpPr/>
           <p:nvPr/>
         </p:nvSpPr>
@@ -10588,7 +10293,7 @@
       </p:grpSpPr>
       <p:sp>
         <p:nvSpPr>
-          <p:cNvPr id="207" name="CustomShape 1"/>
+          <p:cNvPr id="201" name="CustomShape 1"/>
           <p:cNvSpPr/>
           <p:nvPr/>
         </p:nvSpPr>
@@ -10669,14 +10374,14 @@
       </p:grpSpPr>
       <p:sp>
         <p:nvSpPr>
-          <p:cNvPr id="170" name="TextShape 1"/>
-          <p:cNvSpPr txBox="1"/>
+          <p:cNvPr id="164" name="CustomShape 1"/>
+          <p:cNvSpPr/>
           <p:nvPr/>
         </p:nvSpPr>
         <p:spPr>
           <a:xfrm>
             <a:off x="685800" y="1602720"/>
-            <a:ext cx="7772040" cy="1469520"/>
+            <a:ext cx="7771680" cy="1469160"/>
           </a:xfrm>
           <a:prstGeom prst="rect">
             <a:avLst/>
@@ -10686,8 +10391,14 @@
             <a:noFill/>
           </a:ln>
         </p:spPr>
-        <p:txBody>
-          <a:bodyPr anchor="ctr">
+        <p:style>
+          <a:lnRef idx="0"/>
+          <a:fillRef idx="0"/>
+          <a:effectRef idx="0"/>
+          <a:fontRef idx="minor"/>
+        </p:style>
+        <p:txBody>
+          <a:bodyPr lIns="90000" rIns="90000" tIns="45000" bIns="45000" anchor="ctr">
             <a:noAutofit/>
           </a:bodyPr>
           <a:p>
@@ -10706,10 +10417,7 @@
               <a:t>PySpark Tutorial - Learn to use Apache Spark with Python</a:t>
             </a:r>
             <a:endParaRPr b="0" lang="en-US" sz="4400" spc="-1" strike="noStrike">
-              <a:solidFill>
-                <a:srgbClr val="000000"/>
-              </a:solidFill>
-              <a:latin typeface="Calibri"/>
+              <a:latin typeface="Arial"/>
             </a:endParaRPr>
           </a:p>
         </p:txBody>
@@ -10746,14 +10454,14 @@
       </p:grpSpPr>
       <p:sp>
         <p:nvSpPr>
-          <p:cNvPr id="171" name="TextShape 1"/>
-          <p:cNvSpPr txBox="1"/>
+          <p:cNvPr id="165" name="CustomShape 1"/>
+          <p:cNvSpPr/>
           <p:nvPr/>
         </p:nvSpPr>
         <p:spPr>
           <a:xfrm>
             <a:off x="457200" y="274680"/>
-            <a:ext cx="8229240" cy="1142640"/>
+            <a:ext cx="8228880" cy="1142280"/>
           </a:xfrm>
           <a:prstGeom prst="rect">
             <a:avLst/>
@@ -10763,8 +10471,14 @@
             <a:noFill/>
           </a:ln>
         </p:spPr>
-        <p:txBody>
-          <a:bodyPr anchor="ctr">
+        <p:style>
+          <a:lnRef idx="0"/>
+          <a:fillRef idx="0"/>
+          <a:effectRef idx="0"/>
+          <a:fontRef idx="minor"/>
+        </p:style>
+        <p:txBody>
+          <a:bodyPr lIns="90000" rIns="90000" tIns="45000" bIns="45000" anchor="ctr">
             <a:noAutofit/>
           </a:bodyPr>
           <a:p>
@@ -10783,24 +10497,21 @@
               <a:t>Outline</a:t>
             </a:r>
             <a:endParaRPr b="0" lang="en-US" sz="4400" spc="-1" strike="noStrike">
-              <a:solidFill>
-                <a:srgbClr val="000000"/>
-              </a:solidFill>
-              <a:latin typeface="Calibri"/>
-            </a:endParaRPr>
-          </a:p>
-        </p:txBody>
-      </p:sp>
-      <p:sp>
-        <p:nvSpPr>
-          <p:cNvPr id="172" name="TextShape 2"/>
-          <p:cNvSpPr txBox="1"/>
+              <a:latin typeface="Arial"/>
+            </a:endParaRPr>
+          </a:p>
+        </p:txBody>
+      </p:sp>
+      <p:sp>
+        <p:nvSpPr>
+          <p:cNvPr id="166" name="CustomShape 2"/>
+          <p:cNvSpPr/>
           <p:nvPr/>
         </p:nvSpPr>
         <p:spPr>
           <a:xfrm>
             <a:off x="457200" y="1600200"/>
-            <a:ext cx="8229240" cy="4525560"/>
+            <a:ext cx="8228880" cy="4525200"/>
           </a:xfrm>
           <a:prstGeom prst="rect">
             <a:avLst/>
@@ -10810,12 +10521,18 @@
             <a:noFill/>
           </a:ln>
         </p:spPr>
-        <p:txBody>
-          <a:bodyPr>
+        <p:style>
+          <a:lnRef idx="0"/>
+          <a:fillRef idx="0"/>
+          <a:effectRef idx="0"/>
+          <a:fontRef idx="minor"/>
+        </p:style>
+        <p:txBody>
+          <a:bodyPr lIns="90000" rIns="90000" tIns="45000" bIns="45000">
             <a:noAutofit/>
           </a:bodyPr>
           <a:p>
-            <a:pPr marL="343080" indent="-342720">
+            <a:pPr marL="343080" indent="-342360">
               <a:lnSpc>
                 <a:spcPct val="100000"/>
               </a:lnSpc>
@@ -10838,14 +10555,11 @@
               <a:t>Apache Spark and SparkContext </a:t>
             </a:r>
             <a:endParaRPr b="0" lang="en-US" sz="3200" spc="-1" strike="noStrike">
-              <a:solidFill>
-                <a:srgbClr val="000000"/>
-              </a:solidFill>
-              <a:latin typeface="Calibri"/>
-            </a:endParaRPr>
-          </a:p>
-          <a:p>
-            <a:pPr marL="343080" indent="-342720">
+              <a:latin typeface="Arial"/>
+            </a:endParaRPr>
+          </a:p>
+          <a:p>
+            <a:pPr marL="343080" indent="-342360">
               <a:lnSpc>
                 <a:spcPct val="100000"/>
               </a:lnSpc>
@@ -10868,14 +10582,11 @@
               <a:t>Spark Resilient Distributed Datasets (RDD)</a:t>
             </a:r>
             <a:endParaRPr b="0" lang="en-US" sz="3200" spc="-1" strike="noStrike">
-              <a:solidFill>
-                <a:srgbClr val="000000"/>
-              </a:solidFill>
-              <a:latin typeface="Calibri"/>
-            </a:endParaRPr>
-          </a:p>
-          <a:p>
-            <a:pPr marL="343080" indent="-342720">
+              <a:latin typeface="Arial"/>
+            </a:endParaRPr>
+          </a:p>
+          <a:p>
+            <a:pPr marL="343080" indent="-342360">
               <a:lnSpc>
                 <a:spcPct val="100000"/>
               </a:lnSpc>
@@ -10898,14 +10609,11 @@
               <a:t>Transformation and Actions in Spark</a:t>
             </a:r>
             <a:endParaRPr b="0" lang="en-US" sz="3200" spc="-1" strike="noStrike">
-              <a:solidFill>
-                <a:srgbClr val="000000"/>
-              </a:solidFill>
-              <a:latin typeface="Calibri"/>
-            </a:endParaRPr>
-          </a:p>
-          <a:p>
-            <a:pPr marL="343080" indent="-342720">
+              <a:latin typeface="Arial"/>
+            </a:endParaRPr>
+          </a:p>
+          <a:p>
+            <a:pPr marL="343080" indent="-342360">
               <a:lnSpc>
                 <a:spcPct val="100000"/>
               </a:lnSpc>
@@ -10928,10 +10636,7 @@
               <a:t>RDD Partitions</a:t>
             </a:r>
             <a:endParaRPr b="0" lang="en-US" sz="3200" spc="-1" strike="noStrike">
-              <a:solidFill>
-                <a:srgbClr val="000000"/>
-              </a:solidFill>
-              <a:latin typeface="Calibri"/>
+              <a:latin typeface="Arial"/>
             </a:endParaRPr>
           </a:p>
         </p:txBody>
@@ -10968,14 +10673,14 @@
       </p:grpSpPr>
       <p:sp>
         <p:nvSpPr>
-          <p:cNvPr id="173" name="TextShape 1"/>
-          <p:cNvSpPr txBox="1"/>
+          <p:cNvPr id="167" name="CustomShape 1"/>
+          <p:cNvSpPr/>
           <p:nvPr/>
         </p:nvSpPr>
         <p:spPr>
           <a:xfrm>
             <a:off x="457200" y="874440"/>
-            <a:ext cx="8229240" cy="542880"/>
+            <a:ext cx="8228880" cy="542520"/>
           </a:xfrm>
           <a:prstGeom prst="rect">
             <a:avLst/>
@@ -10985,8 +10690,14 @@
             <a:noFill/>
           </a:ln>
         </p:spPr>
-        <p:txBody>
-          <a:bodyPr anchor="ctr">
+        <p:style>
+          <a:lnRef idx="0"/>
+          <a:fillRef idx="0"/>
+          <a:effectRef idx="0"/>
+          <a:fontRef idx="minor"/>
+        </p:style>
+        <p:txBody>
+          <a:bodyPr lIns="90000" rIns="90000" tIns="45000" bIns="45000" anchor="ctr">
             <a:normAutofit fontScale="11000"/>
           </a:bodyPr>
           <a:p>
@@ -11006,24 +10717,21 @@
             </a:r>
             <a:br/>
             <a:endParaRPr b="0" lang="en-US" sz="4400" spc="-1" strike="noStrike">
-              <a:solidFill>
-                <a:srgbClr val="000000"/>
-              </a:solidFill>
-              <a:latin typeface="Calibri"/>
-            </a:endParaRPr>
-          </a:p>
-        </p:txBody>
-      </p:sp>
-      <p:sp>
-        <p:nvSpPr>
-          <p:cNvPr id="174" name="TextShape 2"/>
-          <p:cNvSpPr txBox="1"/>
+              <a:latin typeface="Arial"/>
+            </a:endParaRPr>
+          </a:p>
+        </p:txBody>
+      </p:sp>
+      <p:sp>
+        <p:nvSpPr>
+          <p:cNvPr id="168" name="CustomShape 2"/>
+          <p:cNvSpPr/>
           <p:nvPr/>
         </p:nvSpPr>
         <p:spPr>
           <a:xfrm>
             <a:off x="457200" y="1600200"/>
-            <a:ext cx="8229240" cy="4525560"/>
+            <a:ext cx="8228880" cy="4525200"/>
           </a:xfrm>
           <a:prstGeom prst="rect">
             <a:avLst/>
@@ -11033,12 +10741,18 @@
             <a:noFill/>
           </a:ln>
         </p:spPr>
-        <p:txBody>
-          <a:bodyPr>
+        <p:style>
+          <a:lnRef idx="0"/>
+          <a:fillRef idx="0"/>
+          <a:effectRef idx="0"/>
+          <a:fontRef idx="minor"/>
+        </p:style>
+        <p:txBody>
+          <a:bodyPr lIns="90000" rIns="90000" tIns="45000" bIns="45000">
             <a:noAutofit/>
           </a:bodyPr>
           <a:p>
-            <a:pPr marL="343080" indent="-342720">
+            <a:pPr marL="343080" indent="-342360">
               <a:lnSpc>
                 <a:spcPct val="100000"/>
               </a:lnSpc>
@@ -11061,14 +10775,11 @@
               <a:t>Apache Spark is written in Scala programming language that compiles the program code into byte code for the JVM for spark big data processing. </a:t>
             </a:r>
             <a:endParaRPr b="0" lang="en-US" sz="3200" spc="-1" strike="noStrike">
-              <a:solidFill>
-                <a:srgbClr val="000000"/>
-              </a:solidFill>
-              <a:latin typeface="Calibri"/>
-            </a:endParaRPr>
-          </a:p>
-          <a:p>
-            <a:pPr marL="343080" indent="-342720">
+              <a:latin typeface="Arial"/>
+            </a:endParaRPr>
+          </a:p>
+          <a:p>
+            <a:pPr marL="343080" indent="-342360">
               <a:lnSpc>
                 <a:spcPct val="100000"/>
               </a:lnSpc>
@@ -11091,10 +10802,7 @@
               <a:t>The open source community has developed a wonderful utility for spark python big data processing known as PySpark.</a:t>
             </a:r>
             <a:endParaRPr b="0" lang="en-US" sz="3200" spc="-1" strike="noStrike">
-              <a:solidFill>
-                <a:srgbClr val="000000"/>
-              </a:solidFill>
-              <a:latin typeface="Calibri"/>
+              <a:latin typeface="Arial"/>
             </a:endParaRPr>
           </a:p>
         </p:txBody>
@@ -11131,14 +10839,14 @@
       </p:grpSpPr>
       <p:sp>
         <p:nvSpPr>
-          <p:cNvPr id="175" name="TextShape 1"/>
-          <p:cNvSpPr txBox="1"/>
+          <p:cNvPr id="169" name="CustomShape 1"/>
+          <p:cNvSpPr/>
           <p:nvPr/>
         </p:nvSpPr>
         <p:spPr>
           <a:xfrm>
             <a:off x="457200" y="274680"/>
-            <a:ext cx="8229240" cy="1142640"/>
+            <a:ext cx="8228880" cy="1142280"/>
           </a:xfrm>
           <a:prstGeom prst="rect">
             <a:avLst/>
@@ -11148,9 +10856,15 @@
             <a:noFill/>
           </a:ln>
         </p:spPr>
-        <p:txBody>
-          <a:bodyPr anchor="ctr">
-            <a:normAutofit fontScale="38000"/>
+        <p:style>
+          <a:lnRef idx="0"/>
+          <a:fillRef idx="0"/>
+          <a:effectRef idx="0"/>
+          <a:fontRef idx="minor"/>
+        </p:style>
+        <p:txBody>
+          <a:bodyPr lIns="90000" rIns="90000" tIns="45000" bIns="45000" anchor="ctr">
+            <a:normAutofit fontScale="55000"/>
           </a:bodyPr>
           <a:p>
             <a:pPr>
@@ -11170,24 +10884,21 @@
             </a:r>
             <a:br/>
             <a:endParaRPr b="0" lang="en-US" sz="4400" spc="-1" strike="noStrike">
-              <a:solidFill>
-                <a:srgbClr val="000000"/>
-              </a:solidFill>
-              <a:latin typeface="Calibri"/>
-            </a:endParaRPr>
-          </a:p>
-        </p:txBody>
-      </p:sp>
-      <p:sp>
-        <p:nvSpPr>
-          <p:cNvPr id="176" name="TextShape 2"/>
-          <p:cNvSpPr txBox="1"/>
+              <a:latin typeface="Arial"/>
+            </a:endParaRPr>
+          </a:p>
+        </p:txBody>
+      </p:sp>
+      <p:sp>
+        <p:nvSpPr>
+          <p:cNvPr id="170" name="CustomShape 2"/>
+          <p:cNvSpPr/>
           <p:nvPr/>
         </p:nvSpPr>
         <p:spPr>
           <a:xfrm>
             <a:off x="182880" y="960840"/>
-            <a:ext cx="8229240" cy="4525560"/>
+            <a:ext cx="8228880" cy="4525200"/>
           </a:xfrm>
           <a:prstGeom prst="rect">
             <a:avLst/>
@@ -11197,12 +10908,18 @@
             <a:noFill/>
           </a:ln>
         </p:spPr>
-        <p:txBody>
-          <a:bodyPr>
+        <p:style>
+          <a:lnRef idx="0"/>
+          <a:fillRef idx="0"/>
+          <a:effectRef idx="0"/>
+          <a:fontRef idx="minor"/>
+        </p:style>
+        <p:txBody>
+          <a:bodyPr lIns="90000" rIns="90000" tIns="45000" bIns="45000">
             <a:normAutofit/>
           </a:bodyPr>
           <a:p>
-            <a:pPr marL="343080" indent="-342720">
+            <a:pPr marL="343080" indent="-342360">
               <a:lnSpc>
                 <a:spcPct val="100000"/>
               </a:lnSpc>
@@ -11225,14 +10942,11 @@
               <a:t>SparkContext is the object that manages the connection to the clusters in Spark and coordinates running processes on the clusters themselves. SparkContext connects to cluster managers, which manage the actual executors that run the specific computations</a:t>
             </a:r>
             <a:endParaRPr b="0" lang="en-US" sz="2400" spc="-1" strike="noStrike">
-              <a:solidFill>
-                <a:srgbClr val="000000"/>
-              </a:solidFill>
-              <a:latin typeface="Calibri"/>
-            </a:endParaRPr>
-          </a:p>
-          <a:p>
-            <a:pPr marL="343080" indent="-342720">
+              <a:latin typeface="Arial"/>
+            </a:endParaRPr>
+          </a:p>
+          <a:p>
+            <a:pPr marL="343080" indent="-342360">
               <a:lnSpc>
                 <a:spcPct val="100000"/>
               </a:lnSpc>
@@ -11255,17 +10969,14 @@
               <a:t>spark = SparkContext("local", "PythonHashTag")</a:t>
             </a:r>
             <a:endParaRPr b="0" lang="en-US" sz="2400" spc="-1" strike="noStrike">
-              <a:solidFill>
-                <a:srgbClr val="000000"/>
-              </a:solidFill>
-              <a:latin typeface="Calibri"/>
+              <a:latin typeface="Arial"/>
             </a:endParaRPr>
           </a:p>
         </p:txBody>
       </p:sp>
       <p:pic>
         <p:nvPicPr>
-          <p:cNvPr id="177" name="图片 3_1" descr="cluster-overview.png"/>
+          <p:cNvPr id="171" name="图片 3_1" descr="cluster-overview.png"/>
           <p:cNvPicPr/>
           <p:nvPr/>
         </p:nvPicPr>
@@ -11276,7 +10987,7 @@
         <p:spPr>
           <a:xfrm>
             <a:off x="920160" y="3752640"/>
-            <a:ext cx="6781320" cy="3174480"/>
+            <a:ext cx="6780960" cy="3174120"/>
           </a:xfrm>
           <a:prstGeom prst="rect">
             <a:avLst/>
@@ -11318,14 +11029,14 @@
       </p:grpSpPr>
       <p:sp>
         <p:nvSpPr>
-          <p:cNvPr id="178" name="TextShape 1"/>
-          <p:cNvSpPr txBox="1"/>
+          <p:cNvPr id="172" name="CustomShape 1"/>
+          <p:cNvSpPr/>
           <p:nvPr/>
         </p:nvSpPr>
         <p:spPr>
           <a:xfrm>
             <a:off x="457200" y="274680"/>
-            <a:ext cx="8229240" cy="1142640"/>
+            <a:ext cx="8228880" cy="1142280"/>
           </a:xfrm>
           <a:prstGeom prst="rect">
             <a:avLst/>
@@ -11335,9 +11046,15 @@
             <a:noFill/>
           </a:ln>
         </p:spPr>
-        <p:txBody>
-          <a:bodyPr anchor="ctr">
-            <a:normAutofit fontScale="24000"/>
+        <p:style>
+          <a:lnRef idx="0"/>
+          <a:fillRef idx="0"/>
+          <a:effectRef idx="0"/>
+          <a:fontRef idx="minor"/>
+        </p:style>
+        <p:txBody>
+          <a:bodyPr lIns="90000" rIns="90000" tIns="45000" bIns="45000" anchor="ctr">
+            <a:normAutofit fontScale="31000"/>
           </a:bodyPr>
           <a:p>
             <a:pPr>
@@ -11357,24 +11074,21 @@
             </a:r>
             <a:br/>
             <a:endParaRPr b="0" lang="en-US" sz="4400" spc="-1" strike="noStrike">
-              <a:solidFill>
-                <a:srgbClr val="000000"/>
-              </a:solidFill>
-              <a:latin typeface="Calibri"/>
-            </a:endParaRPr>
-          </a:p>
-        </p:txBody>
-      </p:sp>
-      <p:sp>
-        <p:nvSpPr>
-          <p:cNvPr id="179" name="TextShape 2"/>
-          <p:cNvSpPr txBox="1"/>
+              <a:latin typeface="Arial"/>
+            </a:endParaRPr>
+          </a:p>
+        </p:txBody>
+      </p:sp>
+      <p:sp>
+        <p:nvSpPr>
+          <p:cNvPr id="173" name="CustomShape 2"/>
+          <p:cNvSpPr/>
           <p:nvPr/>
         </p:nvSpPr>
         <p:spPr>
           <a:xfrm>
             <a:off x="457200" y="1600200"/>
-            <a:ext cx="8229240" cy="4525560"/>
+            <a:ext cx="8228880" cy="4525200"/>
           </a:xfrm>
           <a:prstGeom prst="rect">
             <a:avLst/>
@@ -11384,12 +11098,18 @@
             <a:noFill/>
           </a:ln>
         </p:spPr>
-        <p:txBody>
-          <a:bodyPr>
+        <p:style>
+          <a:lnRef idx="0"/>
+          <a:fillRef idx="0"/>
+          <a:effectRef idx="0"/>
+          <a:fontRef idx="minor"/>
+        </p:style>
+        <p:txBody>
+          <a:bodyPr lIns="90000" rIns="90000" tIns="45000" bIns="45000">
             <a:normAutofit fontScale="70000"/>
           </a:bodyPr>
           <a:p>
-            <a:pPr marL="343080" indent="-342720">
+            <a:pPr marL="343080" indent="-342360">
               <a:lnSpc>
                 <a:spcPct val="100000"/>
               </a:lnSpc>
@@ -11412,14 +11132,11 @@
               <a:t>An RDD is Spark's representation of a dataset that is distributed across the RAM, or memory, of lots of machines. </a:t>
             </a:r>
             <a:endParaRPr b="0" lang="en-US" sz="2800" spc="-1" strike="noStrike">
-              <a:solidFill>
-                <a:srgbClr val="000000"/>
-              </a:solidFill>
-              <a:latin typeface="Calibri"/>
-            </a:endParaRPr>
-          </a:p>
-          <a:p>
-            <a:pPr marL="343080" indent="-342720">
+              <a:latin typeface="Arial"/>
+            </a:endParaRPr>
+          </a:p>
+          <a:p>
+            <a:pPr marL="343080" indent="-342360">
               <a:lnSpc>
                 <a:spcPct val="100000"/>
               </a:lnSpc>
@@ -11442,14 +11159,11 @@
               <a:t>An RDD object is essentially a collection of elements that you can use to hold lists of tuples, dictionaries, lists, etc. </a:t>
             </a:r>
             <a:endParaRPr b="0" lang="en-US" sz="2800" spc="-1" strike="noStrike">
-              <a:solidFill>
-                <a:srgbClr val="000000"/>
-              </a:solidFill>
-              <a:latin typeface="Calibri"/>
-            </a:endParaRPr>
-          </a:p>
-          <a:p>
-            <a:pPr marL="343080" indent="-342720">
+              <a:latin typeface="Arial"/>
+            </a:endParaRPr>
+          </a:p>
+          <a:p>
+            <a:pPr marL="343080" indent="-342360">
               <a:lnSpc>
                 <a:spcPct val="100000"/>
               </a:lnSpc>
@@ -11481,14 +11195,11 @@
               <a:t> : the ability to lazily evaluate code, postponing running a calculation until absolutely necessary.</a:t>
             </a:r>
             <a:endParaRPr b="0" lang="en-US" sz="2800" spc="-1" strike="noStrike">
-              <a:solidFill>
-                <a:srgbClr val="000000"/>
-              </a:solidFill>
-              <a:latin typeface="Calibri"/>
-            </a:endParaRPr>
-          </a:p>
-          <a:p>
-            <a:pPr marL="343080" indent="-342720">
+              <a:latin typeface="Arial"/>
+            </a:endParaRPr>
+          </a:p>
+          <a:p>
+            <a:pPr marL="343080" indent="-342360">
               <a:lnSpc>
                 <a:spcPct val="100000"/>
               </a:lnSpc>
@@ -11520,10 +11231,7 @@
               <a:t>numPartitions = 3</a:t>
             </a:r>
             <a:endParaRPr b="0" lang="en-US" sz="2600" spc="-1" strike="noStrike">
-              <a:solidFill>
-                <a:srgbClr val="000000"/>
-              </a:solidFill>
-              <a:latin typeface="Calibri"/>
+              <a:latin typeface="Arial"/>
             </a:endParaRPr>
           </a:p>
           <a:p>
@@ -11557,10 +11265,7 @@
               <a:t>lines = spark.textFile(“hw10/example.txt”, numPartitions)</a:t>
             </a:r>
             <a:endParaRPr b="0" lang="en-US" sz="2600" spc="-1" strike="noStrike">
-              <a:solidFill>
-                <a:srgbClr val="000000"/>
-              </a:solidFill>
-              <a:latin typeface="Calibri"/>
+              <a:latin typeface="Arial"/>
             </a:endParaRPr>
           </a:p>
           <a:p>
@@ -11594,10 +11299,7 @@
               <a:t>lines.take(5)</a:t>
             </a:r>
             <a:endParaRPr b="0" lang="en-US" sz="2600" spc="-1" strike="noStrike">
-              <a:solidFill>
-                <a:srgbClr val="000000"/>
-              </a:solidFill>
-              <a:latin typeface="Calibri"/>
+              <a:latin typeface="Arial"/>
             </a:endParaRPr>
           </a:p>
         </p:txBody>
@@ -11634,14 +11336,14 @@
       </p:grpSpPr>
       <p:sp>
         <p:nvSpPr>
-          <p:cNvPr id="180" name="TextShape 1"/>
-          <p:cNvSpPr txBox="1"/>
+          <p:cNvPr id="174" name="CustomShape 1"/>
+          <p:cNvSpPr/>
           <p:nvPr/>
         </p:nvSpPr>
         <p:spPr>
           <a:xfrm>
             <a:off x="457200" y="274680"/>
-            <a:ext cx="8229240" cy="1142640"/>
+            <a:ext cx="8228880" cy="1142280"/>
           </a:xfrm>
           <a:prstGeom prst="rect">
             <a:avLst/>
@@ -11651,9 +11353,15 @@
             <a:noFill/>
           </a:ln>
         </p:spPr>
-        <p:txBody>
-          <a:bodyPr anchor="ctr">
-            <a:normAutofit fontScale="24000"/>
+        <p:style>
+          <a:lnRef idx="0"/>
+          <a:fillRef idx="0"/>
+          <a:effectRef idx="0"/>
+          <a:fontRef idx="minor"/>
+        </p:style>
+        <p:txBody>
+          <a:bodyPr lIns="90000" rIns="90000" tIns="45000" bIns="45000" anchor="ctr">
+            <a:normAutofit fontScale="31000"/>
           </a:bodyPr>
           <a:p>
             <a:pPr>
@@ -11673,24 +11381,21 @@
             </a:r>
             <a:br/>
             <a:endParaRPr b="0" lang="en-US" sz="4400" spc="-1" strike="noStrike">
-              <a:solidFill>
-                <a:srgbClr val="000000"/>
-              </a:solidFill>
-              <a:latin typeface="Calibri"/>
-            </a:endParaRPr>
-          </a:p>
-        </p:txBody>
-      </p:sp>
-      <p:sp>
-        <p:nvSpPr>
-          <p:cNvPr id="181" name="TextShape 2"/>
-          <p:cNvSpPr txBox="1"/>
+              <a:latin typeface="Arial"/>
+            </a:endParaRPr>
+          </a:p>
+        </p:txBody>
+      </p:sp>
+      <p:sp>
+        <p:nvSpPr>
+          <p:cNvPr id="175" name="CustomShape 2"/>
+          <p:cNvSpPr/>
           <p:nvPr/>
         </p:nvSpPr>
         <p:spPr>
           <a:xfrm>
             <a:off x="457200" y="1600200"/>
-            <a:ext cx="8229240" cy="4525560"/>
+            <a:ext cx="8228880" cy="4525200"/>
           </a:xfrm>
           <a:prstGeom prst="rect">
             <a:avLst/>
@@ -11700,12 +11405,18 @@
             <a:noFill/>
           </a:ln>
         </p:spPr>
-        <p:txBody>
-          <a:bodyPr>
+        <p:style>
+          <a:lnRef idx="0"/>
+          <a:fillRef idx="0"/>
+          <a:effectRef idx="0"/>
+          <a:fontRef idx="minor"/>
+        </p:style>
+        <p:txBody>
+          <a:bodyPr lIns="90000" rIns="90000" tIns="45000" bIns="45000">
             <a:noAutofit/>
           </a:bodyPr>
           <a:p>
-            <a:pPr marL="343080" indent="-342720">
+            <a:pPr marL="343080" indent="-342360">
               <a:lnSpc>
                 <a:spcPct val="100000"/>
               </a:lnSpc>
@@ -11764,14 +11475,11 @@
               <a:t>, which return pointers to new RDDs.</a:t>
             </a:r>
             <a:endParaRPr b="0" lang="en-US" sz="3200" spc="-1" strike="noStrike">
-              <a:solidFill>
-                <a:srgbClr val="000000"/>
-              </a:solidFill>
-              <a:latin typeface="Calibri"/>
-            </a:endParaRPr>
-          </a:p>
-          <a:p>
-            <a:pPr marL="343080" indent="-342720">
+              <a:latin typeface="Arial"/>
+            </a:endParaRPr>
+          </a:p>
+          <a:p>
+            <a:pPr marL="343080" indent="-342360">
               <a:lnSpc>
                 <a:spcPct val="100000"/>
               </a:lnSpc>
@@ -11794,10 +11502,7 @@
               <a:t>RDDs’ value is only updated once that RDD is computed as part of an action</a:t>
             </a:r>
             <a:endParaRPr b="0" lang="en-US" sz="3200" spc="-1" strike="noStrike">
-              <a:solidFill>
-                <a:srgbClr val="000000"/>
-              </a:solidFill>
-              <a:latin typeface="Calibri"/>
+              <a:latin typeface="Arial"/>
             </a:endParaRPr>
           </a:p>
           <a:p>
@@ -11810,10 +11515,7 @@
               </a:spcBef>
             </a:pPr>
             <a:endParaRPr b="0" lang="en-US" sz="3200" spc="-1" strike="noStrike">
-              <a:solidFill>
-                <a:srgbClr val="000000"/>
-              </a:solidFill>
-              <a:latin typeface="Calibri"/>
+              <a:latin typeface="Arial"/>
             </a:endParaRPr>
           </a:p>
         </p:txBody>
@@ -11850,14 +11552,14 @@
       </p:grpSpPr>
       <p:sp>
         <p:nvSpPr>
-          <p:cNvPr id="182" name="TextShape 1"/>
-          <p:cNvSpPr txBox="1"/>
+          <p:cNvPr id="176" name="CustomShape 1"/>
+          <p:cNvSpPr/>
           <p:nvPr/>
         </p:nvSpPr>
         <p:spPr>
           <a:xfrm>
             <a:off x="457200" y="274680"/>
-            <a:ext cx="8229240" cy="1142640"/>
+            <a:ext cx="8228880" cy="1142280"/>
           </a:xfrm>
           <a:prstGeom prst="rect">
             <a:avLst/>
@@ -11867,8 +11569,14 @@
             <a:noFill/>
           </a:ln>
         </p:spPr>
-        <p:txBody>
-          <a:bodyPr anchor="ctr">
+        <p:style>
+          <a:lnRef idx="0"/>
+          <a:fillRef idx="0"/>
+          <a:effectRef idx="0"/>
+          <a:fontRef idx="minor"/>
+        </p:style>
+        <p:txBody>
+          <a:bodyPr lIns="90000" rIns="90000" tIns="45000" bIns="45000" anchor="ctr">
             <a:normAutofit/>
           </a:bodyPr>
           <a:p>
@@ -11887,24 +11595,21 @@
               <a:t>Transformation and Actions</a:t>
             </a:r>
             <a:endParaRPr b="0" lang="en-US" sz="4000" spc="-1" strike="noStrike">
-              <a:solidFill>
-                <a:srgbClr val="000000"/>
-              </a:solidFill>
-              <a:latin typeface="Calibri"/>
-            </a:endParaRPr>
-          </a:p>
-        </p:txBody>
-      </p:sp>
-      <p:sp>
-        <p:nvSpPr>
-          <p:cNvPr id="183" name="TextShape 2"/>
-          <p:cNvSpPr txBox="1"/>
+              <a:latin typeface="Arial"/>
+            </a:endParaRPr>
+          </a:p>
+        </p:txBody>
+      </p:sp>
+      <p:sp>
+        <p:nvSpPr>
+          <p:cNvPr id="177" name="CustomShape 2"/>
+          <p:cNvSpPr/>
           <p:nvPr/>
         </p:nvSpPr>
         <p:spPr>
           <a:xfrm>
             <a:off x="457200" y="1600200"/>
-            <a:ext cx="4134960" cy="4525560"/>
+            <a:ext cx="4134600" cy="4525200"/>
           </a:xfrm>
           <a:prstGeom prst="rect">
             <a:avLst/>
@@ -11914,8 +11619,14 @@
             <a:noFill/>
           </a:ln>
         </p:spPr>
-        <p:txBody>
-          <a:bodyPr>
+        <p:style>
+          <a:lnRef idx="0"/>
+          <a:fillRef idx="0"/>
+          <a:effectRef idx="0"/>
+          <a:fontRef idx="minor"/>
+        </p:style>
+        <p:txBody>
+          <a:bodyPr lIns="90000" rIns="90000" tIns="45000" bIns="45000">
             <a:noAutofit/>
           </a:bodyPr>
           <a:p>
@@ -11940,10 +11651,7 @@
               <a:t>Spark Transformations</a:t>
             </a:r>
             <a:endParaRPr b="0" lang="en-US" sz="3200" spc="-1" strike="noStrike">
-              <a:solidFill>
-                <a:srgbClr val="000000"/>
-              </a:solidFill>
-              <a:latin typeface="Calibri"/>
+              <a:latin typeface="Arial"/>
             </a:endParaRPr>
           </a:p>
           <a:p>
@@ -11968,10 +11676,7 @@
               <a:t>map()</a:t>
             </a:r>
             <a:endParaRPr b="0" lang="en-US" sz="3200" spc="-1" strike="noStrike">
-              <a:solidFill>
-                <a:srgbClr val="000000"/>
-              </a:solidFill>
-              <a:latin typeface="Calibri"/>
+              <a:latin typeface="Arial"/>
             </a:endParaRPr>
           </a:p>
           <a:p>
@@ -11996,10 +11701,7 @@
               <a:t>flatMap()</a:t>
             </a:r>
             <a:endParaRPr b="0" lang="en-US" sz="3200" spc="-1" strike="noStrike">
-              <a:solidFill>
-                <a:srgbClr val="000000"/>
-              </a:solidFill>
-              <a:latin typeface="Calibri"/>
+              <a:latin typeface="Arial"/>
             </a:endParaRPr>
           </a:p>
           <a:p>
@@ -12024,10 +11726,7 @@
               <a:t>filter()</a:t>
             </a:r>
             <a:endParaRPr b="0" lang="en-US" sz="3200" spc="-1" strike="noStrike">
-              <a:solidFill>
-                <a:srgbClr val="000000"/>
-              </a:solidFill>
-              <a:latin typeface="Calibri"/>
+              <a:latin typeface="Arial"/>
             </a:endParaRPr>
           </a:p>
           <a:p>
@@ -12052,24 +11751,21 @@
               <a:t>mapPartitions()</a:t>
             </a:r>
             <a:endParaRPr b="0" lang="en-US" sz="3200" spc="-1" strike="noStrike">
-              <a:solidFill>
-                <a:srgbClr val="000000"/>
-              </a:solidFill>
-              <a:latin typeface="Calibri"/>
-            </a:endParaRPr>
-          </a:p>
-        </p:txBody>
-      </p:sp>
-      <p:sp>
-        <p:nvSpPr>
-          <p:cNvPr id="184" name="CustomShape 3"/>
+              <a:latin typeface="Arial"/>
+            </a:endParaRPr>
+          </a:p>
+        </p:txBody>
+      </p:sp>
+      <p:sp>
+        <p:nvSpPr>
+          <p:cNvPr id="178" name="CustomShape 3"/>
           <p:cNvSpPr/>
           <p:nvPr/>
         </p:nvSpPr>
         <p:spPr>
           <a:xfrm>
             <a:off x="4592520" y="1600200"/>
-            <a:ext cx="4093920" cy="3015000"/>
+            <a:ext cx="4093560" cy="3014640"/>
           </a:xfrm>
           <a:prstGeom prst="rect">
             <a:avLst/>
@@ -12101,6 +11797,7 @@
                   <a:srgbClr val="000000"/>
                 </a:solidFill>
                 <a:latin typeface="Calibri"/>
+                <a:ea typeface="DejaVu Sans"/>
               </a:rPr>
               <a:t>Spark Actions</a:t>
             </a:r>
@@ -12120,6 +11817,7 @@
                   <a:srgbClr val="000000"/>
                 </a:solidFill>
                 <a:latin typeface="Calibri"/>
+                <a:ea typeface="DejaVu Sans"/>
               </a:rPr>
               <a:t>reduceByKey()</a:t>
             </a:r>
@@ -12139,6 +11837,7 @@
                   <a:srgbClr val="000000"/>
                 </a:solidFill>
                 <a:latin typeface="Calibri"/>
+                <a:ea typeface="DejaVu Sans"/>
               </a:rPr>
               <a:t>collect()               </a:t>
             </a:r>
@@ -12158,6 +11857,7 @@
                   <a:srgbClr val="000000"/>
                 </a:solidFill>
                 <a:latin typeface="Calibri"/>
+                <a:ea typeface="DejaVu Sans"/>
               </a:rPr>
               <a:t>count()</a:t>
             </a:r>
@@ -12177,6 +11877,7 @@
                   <a:srgbClr val="000000"/>
                 </a:solidFill>
                 <a:latin typeface="Calibri"/>
+                <a:ea typeface="DejaVu Sans"/>
               </a:rPr>
               <a:t>take() </a:t>
             </a:r>
@@ -12196,6 +11897,7 @@
                   <a:srgbClr val="000000"/>
                 </a:solidFill>
                 <a:latin typeface="Calibri"/>
+                <a:ea typeface="DejaVu Sans"/>
               </a:rPr>
               <a:t>takeOrdered()</a:t>
             </a:r>
